--- a/Graph Theory.pptx
+++ b/Graph Theory.pptx
@@ -10,11 +10,10 @@
     <p:sldId id="257" r:id="rId4"/>
     <p:sldId id="258" r:id="rId5"/>
     <p:sldId id="259" r:id="rId6"/>
-    <p:sldId id="261" r:id="rId7"/>
-    <p:sldId id="265" r:id="rId8"/>
-    <p:sldId id="262" r:id="rId9"/>
-    <p:sldId id="263" r:id="rId10"/>
-    <p:sldId id="260" r:id="rId11"/>
+    <p:sldId id="262" r:id="rId7"/>
+    <p:sldId id="263" r:id="rId8"/>
+    <p:sldId id="260" r:id="rId9"/>
+    <p:sldId id="261" r:id="rId10"/>
   </p:sldIdLst>
   <p:sldSz cx="12192000" cy="6858000"/>
   <p:notesSz cx="6858000" cy="9144000"/>
@@ -113,40 +112,6 @@
       </a:defRPr>
     </a:lvl9pPr>
   </p:defaultTextStyle>
-  <p:extLst>
-    <p:ext uri="{521415D9-36F7-43E2-AB2F-B90AF26B5E84}">
-      <p14:sectionLst xmlns:p14="http://schemas.microsoft.com/office/powerpoint/2010/main">
-        <p14:section name="Default Section" id="{475B2F3C-65D7-A14A-AA22-586A525D364C}">
-          <p14:sldIdLst>
-            <p14:sldId id="256"/>
-            <p14:sldId id="264"/>
-            <p14:sldId id="257"/>
-            <p14:sldId id="258"/>
-            <p14:sldId id="259"/>
-            <p14:sldId id="261"/>
-            <p14:sldId id="265"/>
-            <p14:sldId id="262"/>
-            <p14:sldId id="263"/>
-            <p14:sldId id="260"/>
-          </p14:sldIdLst>
-        </p14:section>
-      </p14:sectionLst>
-    </p:ext>
-    <p:ext uri="{EFAFB233-063F-42B5-8137-9DF3F51BA10A}">
-      <p15:sldGuideLst xmlns:p15="http://schemas.microsoft.com/office/powerpoint/2012/main">
-        <p15:guide id="1" orient="horz" pos="2160">
-          <p15:clr>
-            <a:srgbClr val="A4A3A4"/>
-          </p15:clr>
-        </p15:guide>
-        <p15:guide id="2" pos="3840">
-          <p15:clr>
-            <a:srgbClr val="A4A3A4"/>
-          </p15:clr>
-        </p15:guide>
-      </p15:sldGuideLst>
-    </p:ext>
-  </p:extLst>
 </p:presentation>
 </file>
 
@@ -333,7 +298,7 @@
           </a:lstStyle>
           <a:p>
             <a:r>
-              <a:rPr lang="ru-RU"/>
+              <a:rPr lang="ru-RU" smtClean="0"/>
               <a:t>Образец заголовка</a:t>
             </a:r>
             <a:endParaRPr lang="en-US" dirty="0"/>
@@ -400,7 +365,7 @@
           </a:lstStyle>
           <a:p>
             <a:r>
-              <a:rPr lang="ru-RU"/>
+              <a:rPr lang="ru-RU" smtClean="0"/>
               <a:t>Образец подзаголовка</a:t>
             </a:r>
             <a:endParaRPr lang="en-US" dirty="0"/>
@@ -424,7 +389,7 @@
           <a:p>
             <a:fld id="{397E0307-B85C-446A-8EF0-0407D435D787}" type="datetimeFigureOut">
               <a:rPr lang="en-US" dirty="0"/>
-              <a:t>3/20/21</a:t>
+              <a:t>3/20/2021</a:t>
             </a:fld>
             <a:endParaRPr lang="en-US" dirty="0"/>
           </a:p>
@@ -668,7 +633,7 @@
           </a:lstStyle>
           <a:p>
             <a:r>
-              <a:rPr lang="ru-RU"/>
+              <a:rPr lang="ru-RU" smtClean="0"/>
               <a:t>Образец заголовка</a:t>
             </a:r>
             <a:endParaRPr lang="en-US" dirty="0"/>
@@ -744,7 +709,7 @@
           </a:lstStyle>
           <a:p>
             <a:r>
-              <a:rPr lang="ru-RU"/>
+              <a:rPr lang="ru-RU" smtClean="0"/>
               <a:t>Вставка рисунка</a:t>
             </a:r>
             <a:endParaRPr lang="en-US" dirty="0"/>
@@ -810,7 +775,7 @@
           <a:p>
             <a:pPr lvl="0"/>
             <a:r>
-              <a:rPr lang="ru-RU"/>
+              <a:rPr lang="ru-RU" smtClean="0"/>
               <a:t>Образец текста</a:t>
             </a:r>
           </a:p>
@@ -833,7 +798,7 @@
           <a:p>
             <a:fld id="{8BD862E7-95FA-4FC4-9EC5-DDBFA8DC7417}" type="datetimeFigureOut">
               <a:rPr lang="en-US" dirty="0"/>
-              <a:t>3/20/21</a:t>
+              <a:t>3/20/2021</a:t>
             </a:fld>
             <a:endParaRPr lang="en-US" dirty="0"/>
           </a:p>
@@ -1075,7 +1040,7 @@
           </a:lstStyle>
           <a:p>
             <a:r>
-              <a:rPr lang="ru-RU"/>
+              <a:rPr lang="ru-RU" smtClean="0"/>
               <a:t>Образец заголовка</a:t>
             </a:r>
             <a:endParaRPr lang="en-US" dirty="0"/>
@@ -1141,7 +1106,7 @@
           <a:p>
             <a:pPr lvl="0"/>
             <a:r>
-              <a:rPr lang="ru-RU"/>
+              <a:rPr lang="ru-RU" smtClean="0"/>
               <a:t>Образец текста</a:t>
             </a:r>
           </a:p>
@@ -1164,7 +1129,7 @@
           <a:p>
             <a:fld id="{8DB987F2-A784-4F72-BB57-0E9EACDE722E}" type="datetimeFigureOut">
               <a:rPr lang="en-US" dirty="0"/>
-              <a:t>3/20/21</a:t>
+              <a:t>3/20/2021</a:t>
             </a:fld>
             <a:endParaRPr lang="en-US" dirty="0"/>
           </a:p>
@@ -1406,7 +1371,7 @@
           </a:lstStyle>
           <a:p>
             <a:r>
-              <a:rPr lang="ru-RU"/>
+              <a:rPr lang="ru-RU" smtClean="0"/>
               <a:t>Образец заголовка</a:t>
             </a:r>
             <a:endParaRPr lang="en-US" dirty="0"/>
@@ -1474,7 +1439,7 @@
           <a:p>
             <a:pPr lvl="0"/>
             <a:r>
-              <a:rPr lang="ru-RU"/>
+              <a:rPr lang="ru-RU" smtClean="0"/>
               <a:t>Образец текста</a:t>
             </a:r>
           </a:p>
@@ -1541,7 +1506,7 @@
           <a:p>
             <a:pPr lvl="0"/>
             <a:r>
-              <a:rPr lang="ru-RU"/>
+              <a:rPr lang="ru-RU" smtClean="0"/>
               <a:t>Образец текста</a:t>
             </a:r>
           </a:p>
@@ -1564,7 +1529,7 @@
           <a:p>
             <a:fld id="{40BBD51E-4B19-444E-85C0-DBD7EB6263F4}" type="datetimeFigureOut">
               <a:rPr lang="en-US" dirty="0"/>
-              <a:t>3/20/21</a:t>
+              <a:t>3/20/2021</a:t>
             </a:fld>
             <a:endParaRPr lang="en-US" dirty="0"/>
           </a:p>
@@ -2038,7 +2003,7 @@
           </a:lstStyle>
           <a:p>
             <a:r>
-              <a:rPr lang="ru-RU"/>
+              <a:rPr lang="ru-RU" smtClean="0"/>
               <a:t>Образец заголовка</a:t>
             </a:r>
             <a:endParaRPr lang="en-US" dirty="0"/>
@@ -2104,7 +2069,7 @@
           <a:p>
             <a:pPr lvl="0"/>
             <a:r>
-              <a:rPr lang="ru-RU"/>
+              <a:rPr lang="ru-RU" smtClean="0"/>
               <a:t>Образец текста</a:t>
             </a:r>
           </a:p>
@@ -2127,7 +2092,7 @@
           <a:p>
             <a:fld id="{F0D7255A-4AD5-4D3E-9A0A-689DA3BA976C}" type="datetimeFigureOut">
               <a:rPr lang="en-US" dirty="0"/>
-              <a:t>3/20/21</a:t>
+              <a:t>3/20/2021</a:t>
             </a:fld>
             <a:endParaRPr lang="en-US" dirty="0"/>
           </a:p>
@@ -2365,7 +2330,7 @@
           <a:lstStyle/>
           <a:p>
             <a:r>
-              <a:rPr lang="ru-RU"/>
+              <a:rPr lang="ru-RU" smtClean="0"/>
               <a:t>Образец заголовка</a:t>
             </a:r>
             <a:endParaRPr lang="en-US" dirty="0"/>
@@ -2437,7 +2402,7 @@
           <a:p>
             <a:pPr lvl="0"/>
             <a:r>
-              <a:rPr lang="ru-RU"/>
+              <a:rPr lang="ru-RU" smtClean="0"/>
               <a:t>Образец текста</a:t>
             </a:r>
           </a:p>
@@ -2504,7 +2469,7 @@
           <a:p>
             <a:pPr lvl="0"/>
             <a:r>
-              <a:rPr lang="ru-RU"/>
+              <a:rPr lang="ru-RU" smtClean="0"/>
               <a:t>Образец текста</a:t>
             </a:r>
           </a:p>
@@ -2575,7 +2540,7 @@
           <a:p>
             <a:pPr lvl="0"/>
             <a:r>
-              <a:rPr lang="ru-RU"/>
+              <a:rPr lang="ru-RU" smtClean="0"/>
               <a:t>Образец текста</a:t>
             </a:r>
           </a:p>
@@ -2642,7 +2607,7 @@
           <a:p>
             <a:pPr lvl="0"/>
             <a:r>
-              <a:rPr lang="ru-RU"/>
+              <a:rPr lang="ru-RU" smtClean="0"/>
               <a:t>Образец текста</a:t>
             </a:r>
           </a:p>
@@ -2713,7 +2678,7 @@
           <a:p>
             <a:pPr lvl="0"/>
             <a:r>
-              <a:rPr lang="ru-RU"/>
+              <a:rPr lang="ru-RU" smtClean="0"/>
               <a:t>Образец текста</a:t>
             </a:r>
           </a:p>
@@ -2780,7 +2745,7 @@
           <a:p>
             <a:pPr lvl="0"/>
             <a:r>
-              <a:rPr lang="ru-RU"/>
+              <a:rPr lang="ru-RU" smtClean="0"/>
               <a:t>Образец текста</a:t>
             </a:r>
           </a:p>
@@ -2803,7 +2768,7 @@
           <a:p>
             <a:fld id="{3EE0AD15-87AC-45B2-9EE5-8D165AF83CD7}" type="datetimeFigureOut">
               <a:rPr lang="en-US" dirty="0"/>
-              <a:t>3/20/21</a:t>
+              <a:t>3/20/2021</a:t>
             </a:fld>
             <a:endParaRPr lang="en-US" dirty="0"/>
           </a:p>
@@ -3036,7 +3001,7 @@
           <a:lstStyle/>
           <a:p>
             <a:r>
-              <a:rPr lang="ru-RU"/>
+              <a:rPr lang="ru-RU" smtClean="0"/>
               <a:t>Образец заголовка</a:t>
             </a:r>
             <a:endParaRPr lang="en-US" dirty="0"/>
@@ -3108,7 +3073,7 @@
           <a:p>
             <a:pPr lvl="0"/>
             <a:r>
-              <a:rPr lang="ru-RU"/>
+              <a:rPr lang="ru-RU" smtClean="0"/>
               <a:t>Образец текста</a:t>
             </a:r>
           </a:p>
@@ -3186,7 +3151,7 @@
           </a:lstStyle>
           <a:p>
             <a:r>
-              <a:rPr lang="ru-RU"/>
+              <a:rPr lang="ru-RU" smtClean="0"/>
               <a:t>Вставка рисунка</a:t>
             </a:r>
             <a:endParaRPr lang="en-US" dirty="0"/>
@@ -3254,7 +3219,7 @@
           <a:p>
             <a:pPr lvl="0"/>
             <a:r>
-              <a:rPr lang="ru-RU"/>
+              <a:rPr lang="ru-RU" smtClean="0"/>
               <a:t>Образец текста</a:t>
             </a:r>
           </a:p>
@@ -3325,7 +3290,7 @@
           <a:p>
             <a:pPr lvl="0"/>
             <a:r>
-              <a:rPr lang="ru-RU"/>
+              <a:rPr lang="ru-RU" smtClean="0"/>
               <a:t>Образец текста</a:t>
             </a:r>
           </a:p>
@@ -3403,7 +3368,7 @@
           </a:lstStyle>
           <a:p>
             <a:r>
-              <a:rPr lang="ru-RU"/>
+              <a:rPr lang="ru-RU" smtClean="0"/>
               <a:t>Вставка рисунка</a:t>
             </a:r>
             <a:endParaRPr lang="en-US" dirty="0"/>
@@ -3471,7 +3436,7 @@
           <a:p>
             <a:pPr lvl="0"/>
             <a:r>
-              <a:rPr lang="ru-RU"/>
+              <a:rPr lang="ru-RU" smtClean="0"/>
               <a:t>Образец текста</a:t>
             </a:r>
           </a:p>
@@ -3542,7 +3507,7 @@
           <a:p>
             <a:pPr lvl="0"/>
             <a:r>
-              <a:rPr lang="ru-RU"/>
+              <a:rPr lang="ru-RU" smtClean="0"/>
               <a:t>Образец текста</a:t>
             </a:r>
           </a:p>
@@ -3620,7 +3585,7 @@
           </a:lstStyle>
           <a:p>
             <a:r>
-              <a:rPr lang="ru-RU"/>
+              <a:rPr lang="ru-RU" smtClean="0"/>
               <a:t>Вставка рисунка</a:t>
             </a:r>
             <a:endParaRPr lang="en-US" dirty="0"/>
@@ -3688,7 +3653,7 @@
           <a:p>
             <a:pPr lvl="0"/>
             <a:r>
-              <a:rPr lang="ru-RU"/>
+              <a:rPr lang="ru-RU" smtClean="0"/>
               <a:t>Образец текста</a:t>
             </a:r>
           </a:p>
@@ -3711,7 +3676,7 @@
           <a:p>
             <a:fld id="{FCC40CCD-F0D6-4CC2-A4C8-2D7D0D875F02}" type="datetimeFigureOut">
               <a:rPr lang="en-US" dirty="0"/>
-              <a:t>3/20/21</a:t>
+              <a:t>3/20/2021</a:t>
             </a:fld>
             <a:endParaRPr lang="en-US" dirty="0"/>
           </a:p>
@@ -3943,7 +3908,7 @@
           </a:lstStyle>
           <a:p>
             <a:r>
-              <a:rPr lang="ru-RU"/>
+              <a:rPr lang="ru-RU" smtClean="0"/>
               <a:t>Образец заголовка</a:t>
             </a:r>
             <a:endParaRPr lang="en-US" dirty="0"/>
@@ -3967,35 +3932,35 @@
           <a:p>
             <a:pPr lvl="0"/>
             <a:r>
-              <a:rPr lang="ru-RU"/>
+              <a:rPr lang="ru-RU" smtClean="0"/>
               <a:t>Образец текста</a:t>
             </a:r>
           </a:p>
           <a:p>
             <a:pPr lvl="1"/>
             <a:r>
-              <a:rPr lang="ru-RU"/>
+              <a:rPr lang="ru-RU" smtClean="0"/>
               <a:t>Второй уровень</a:t>
             </a:r>
           </a:p>
           <a:p>
             <a:pPr lvl="2"/>
             <a:r>
-              <a:rPr lang="ru-RU"/>
+              <a:rPr lang="ru-RU" smtClean="0"/>
               <a:t>Третий уровень</a:t>
             </a:r>
           </a:p>
           <a:p>
             <a:pPr lvl="3"/>
             <a:r>
-              <a:rPr lang="ru-RU"/>
+              <a:rPr lang="ru-RU" smtClean="0"/>
               <a:t>Четвертый уровень</a:t>
             </a:r>
           </a:p>
           <a:p>
             <a:pPr lvl="4"/>
             <a:r>
-              <a:rPr lang="ru-RU"/>
+              <a:rPr lang="ru-RU" smtClean="0"/>
               <a:t>Пятый уровень</a:t>
             </a:r>
             <a:endParaRPr lang="en-US" dirty="0"/>
@@ -4019,7 +3984,7 @@
           <a:p>
             <a:fld id="{B3CFE2CC-454D-4466-AC55-B86DA0A87BAE}" type="datetimeFigureOut">
               <a:rPr lang="en-US" dirty="0"/>
-              <a:t>3/20/21</a:t>
+              <a:t>3/20/2021</a:t>
             </a:fld>
             <a:endParaRPr lang="en-US" dirty="0"/>
           </a:p>
@@ -4192,7 +4157,7 @@
           <a:lstStyle/>
           <a:p>
             <a:r>
-              <a:rPr lang="ru-RU"/>
+              <a:rPr lang="ru-RU" smtClean="0"/>
               <a:t>Образец заголовка</a:t>
             </a:r>
             <a:endParaRPr lang="en-US" dirty="0"/>
@@ -4221,35 +4186,35 @@
           <a:p>
             <a:pPr lvl="0"/>
             <a:r>
-              <a:rPr lang="ru-RU"/>
+              <a:rPr lang="ru-RU" smtClean="0"/>
               <a:t>Образец текста</a:t>
             </a:r>
           </a:p>
           <a:p>
             <a:pPr lvl="1"/>
             <a:r>
-              <a:rPr lang="ru-RU"/>
+              <a:rPr lang="ru-RU" smtClean="0"/>
               <a:t>Второй уровень</a:t>
             </a:r>
           </a:p>
           <a:p>
             <a:pPr lvl="2"/>
             <a:r>
-              <a:rPr lang="ru-RU"/>
+              <a:rPr lang="ru-RU" smtClean="0"/>
               <a:t>Третий уровень</a:t>
             </a:r>
           </a:p>
           <a:p>
             <a:pPr lvl="3"/>
             <a:r>
-              <a:rPr lang="ru-RU"/>
+              <a:rPr lang="ru-RU" smtClean="0"/>
               <a:t>Четвертый уровень</a:t>
             </a:r>
           </a:p>
           <a:p>
             <a:pPr lvl="4"/>
             <a:r>
-              <a:rPr lang="ru-RU"/>
+              <a:rPr lang="ru-RU" smtClean="0"/>
               <a:t>Пятый уровень</a:t>
             </a:r>
             <a:endParaRPr lang="en-US" dirty="0"/>
@@ -4278,7 +4243,7 @@
           <a:p>
             <a:fld id="{B647B1BF-4039-460D-A637-65428CBD720E}" type="datetimeFigureOut">
               <a:rPr lang="en-US" dirty="0"/>
-              <a:t>3/20/21</a:t>
+              <a:t>3/20/2021</a:t>
             </a:fld>
             <a:endParaRPr lang="en-US" dirty="0"/>
           </a:p>
@@ -4521,7 +4486,7 @@
           <a:lstStyle/>
           <a:p>
             <a:r>
-              <a:rPr lang="ru-RU"/>
+              <a:rPr lang="ru-RU" smtClean="0"/>
               <a:t>Образец заголовка</a:t>
             </a:r>
             <a:endParaRPr lang="en-US" dirty="0"/>
@@ -4545,35 +4510,35 @@
           <a:p>
             <a:pPr lvl="0"/>
             <a:r>
-              <a:rPr lang="ru-RU"/>
+              <a:rPr lang="ru-RU" smtClean="0"/>
               <a:t>Образец текста</a:t>
             </a:r>
           </a:p>
           <a:p>
             <a:pPr lvl="1"/>
             <a:r>
-              <a:rPr lang="ru-RU"/>
+              <a:rPr lang="ru-RU" smtClean="0"/>
               <a:t>Второй уровень</a:t>
             </a:r>
           </a:p>
           <a:p>
             <a:pPr lvl="2"/>
             <a:r>
-              <a:rPr lang="ru-RU"/>
+              <a:rPr lang="ru-RU" smtClean="0"/>
               <a:t>Третий уровень</a:t>
             </a:r>
           </a:p>
           <a:p>
             <a:pPr lvl="3"/>
             <a:r>
-              <a:rPr lang="ru-RU"/>
+              <a:rPr lang="ru-RU" smtClean="0"/>
               <a:t>Четвертый уровень</a:t>
             </a:r>
           </a:p>
           <a:p>
             <a:pPr lvl="4"/>
             <a:r>
-              <a:rPr lang="ru-RU"/>
+              <a:rPr lang="ru-RU" smtClean="0"/>
               <a:t>Пятый уровень</a:t>
             </a:r>
             <a:endParaRPr lang="en-US" dirty="0"/>
@@ -4597,7 +4562,7 @@
           <a:p>
             <a:fld id="{AAA39ACE-9343-4EBE-B5CA-AEA240A1DC53}" type="datetimeFigureOut">
               <a:rPr lang="en-US" dirty="0"/>
-              <a:t>3/20/21</a:t>
+              <a:t>3/20/2021</a:t>
             </a:fld>
             <a:endParaRPr lang="en-US" dirty="0"/>
           </a:p>
@@ -4836,7 +4801,7 @@
           </a:lstStyle>
           <a:p>
             <a:r>
-              <a:rPr lang="ru-RU"/>
+              <a:rPr lang="ru-RU" smtClean="0"/>
               <a:t>Образец заголовка</a:t>
             </a:r>
             <a:endParaRPr lang="en-US" dirty="0"/>
@@ -4958,7 +4923,7 @@
           <a:p>
             <a:pPr lvl="0"/>
             <a:r>
-              <a:rPr lang="ru-RU"/>
+              <a:rPr lang="ru-RU" smtClean="0"/>
               <a:t>Образец текста</a:t>
             </a:r>
           </a:p>
@@ -4981,7 +4946,7 @@
           <a:p>
             <a:fld id="{C9A00F7B-89C5-4DF7-A309-6263220147D4}" type="datetimeFigureOut">
               <a:rPr lang="en-US" dirty="0"/>
-              <a:t>3/20/21</a:t>
+              <a:t>3/20/2021</a:t>
             </a:fld>
             <a:endParaRPr lang="en-US" dirty="0"/>
           </a:p>
@@ -5214,7 +5179,7 @@
           <a:lstStyle/>
           <a:p>
             <a:r>
-              <a:rPr lang="ru-RU"/>
+              <a:rPr lang="ru-RU" smtClean="0"/>
               <a:t>Образец заголовка</a:t>
             </a:r>
             <a:endParaRPr lang="en-US" dirty="0"/>
@@ -5243,35 +5208,35 @@
           <a:p>
             <a:pPr lvl="0"/>
             <a:r>
-              <a:rPr lang="ru-RU"/>
+              <a:rPr lang="ru-RU" smtClean="0"/>
               <a:t>Образец текста</a:t>
             </a:r>
           </a:p>
           <a:p>
             <a:pPr lvl="1"/>
             <a:r>
-              <a:rPr lang="ru-RU"/>
+              <a:rPr lang="ru-RU" smtClean="0"/>
               <a:t>Второй уровень</a:t>
             </a:r>
           </a:p>
           <a:p>
             <a:pPr lvl="2"/>
             <a:r>
-              <a:rPr lang="ru-RU"/>
+              <a:rPr lang="ru-RU" smtClean="0"/>
               <a:t>Третий уровень</a:t>
             </a:r>
           </a:p>
           <a:p>
             <a:pPr lvl="3"/>
             <a:r>
-              <a:rPr lang="ru-RU"/>
+              <a:rPr lang="ru-RU" smtClean="0"/>
               <a:t>Четвертый уровень</a:t>
             </a:r>
           </a:p>
           <a:p>
             <a:pPr lvl="4"/>
             <a:r>
-              <a:rPr lang="ru-RU"/>
+              <a:rPr lang="ru-RU" smtClean="0"/>
               <a:t>Пятый уровень</a:t>
             </a:r>
             <a:endParaRPr lang="en-US" dirty="0"/>
@@ -5300,35 +5265,35 @@
           <a:p>
             <a:pPr lvl="0"/>
             <a:r>
-              <a:rPr lang="ru-RU"/>
+              <a:rPr lang="ru-RU" smtClean="0"/>
               <a:t>Образец текста</a:t>
             </a:r>
           </a:p>
           <a:p>
             <a:pPr lvl="1"/>
             <a:r>
-              <a:rPr lang="ru-RU"/>
+              <a:rPr lang="ru-RU" smtClean="0"/>
               <a:t>Второй уровень</a:t>
             </a:r>
           </a:p>
           <a:p>
             <a:pPr lvl="2"/>
             <a:r>
-              <a:rPr lang="ru-RU"/>
+              <a:rPr lang="ru-RU" smtClean="0"/>
               <a:t>Третий уровень</a:t>
             </a:r>
           </a:p>
           <a:p>
             <a:pPr lvl="3"/>
             <a:r>
-              <a:rPr lang="ru-RU"/>
+              <a:rPr lang="ru-RU" smtClean="0"/>
               <a:t>Четвертый уровень</a:t>
             </a:r>
           </a:p>
           <a:p>
             <a:pPr lvl="4"/>
             <a:r>
-              <a:rPr lang="ru-RU"/>
+              <a:rPr lang="ru-RU" smtClean="0"/>
               <a:t>Пятый уровень</a:t>
             </a:r>
             <a:endParaRPr lang="en-US" dirty="0"/>
@@ -5352,7 +5317,7 @@
           <a:p>
             <a:fld id="{449C95DE-FD64-4606-AE61-EC1136867CC6}" type="datetimeFigureOut">
               <a:rPr lang="en-US" dirty="0"/>
-              <a:t>3/20/21</a:t>
+              <a:t>3/20/2021</a:t>
             </a:fld>
             <a:endParaRPr lang="en-US" dirty="0"/>
           </a:p>
@@ -5585,7 +5550,7 @@
           <a:lstStyle/>
           <a:p>
             <a:r>
-              <a:rPr lang="ru-RU"/>
+              <a:rPr lang="ru-RU" smtClean="0"/>
               <a:t>Образец заголовка</a:t>
             </a:r>
             <a:endParaRPr lang="en-US" dirty="0"/>
@@ -5651,7 +5616,7 @@
           <a:p>
             <a:pPr lvl="0"/>
             <a:r>
-              <a:rPr lang="ru-RU"/>
+              <a:rPr lang="ru-RU" smtClean="0"/>
               <a:t>Образец текста</a:t>
             </a:r>
           </a:p>
@@ -5679,35 +5644,35 @@
           <a:p>
             <a:pPr lvl="0"/>
             <a:r>
-              <a:rPr lang="ru-RU"/>
+              <a:rPr lang="ru-RU" smtClean="0"/>
               <a:t>Образец текста</a:t>
             </a:r>
           </a:p>
           <a:p>
             <a:pPr lvl="1"/>
             <a:r>
-              <a:rPr lang="ru-RU"/>
+              <a:rPr lang="ru-RU" smtClean="0"/>
               <a:t>Второй уровень</a:t>
             </a:r>
           </a:p>
           <a:p>
             <a:pPr lvl="2"/>
             <a:r>
-              <a:rPr lang="ru-RU"/>
+              <a:rPr lang="ru-RU" smtClean="0"/>
               <a:t>Третий уровень</a:t>
             </a:r>
           </a:p>
           <a:p>
             <a:pPr lvl="3"/>
             <a:r>
-              <a:rPr lang="ru-RU"/>
+              <a:rPr lang="ru-RU" smtClean="0"/>
               <a:t>Четвертый уровень</a:t>
             </a:r>
           </a:p>
           <a:p>
             <a:pPr lvl="4"/>
             <a:r>
-              <a:rPr lang="ru-RU"/>
+              <a:rPr lang="ru-RU" smtClean="0"/>
               <a:t>Пятый уровень</a:t>
             </a:r>
             <a:endParaRPr lang="en-US" dirty="0"/>
@@ -5773,7 +5738,7 @@
           <a:p>
             <a:pPr lvl="0"/>
             <a:r>
-              <a:rPr lang="ru-RU"/>
+              <a:rPr lang="ru-RU" smtClean="0"/>
               <a:t>Образец текста</a:t>
             </a:r>
           </a:p>
@@ -5801,35 +5766,35 @@
           <a:p>
             <a:pPr lvl="0"/>
             <a:r>
-              <a:rPr lang="ru-RU"/>
+              <a:rPr lang="ru-RU" smtClean="0"/>
               <a:t>Образец текста</a:t>
             </a:r>
           </a:p>
           <a:p>
             <a:pPr lvl="1"/>
             <a:r>
-              <a:rPr lang="ru-RU"/>
+              <a:rPr lang="ru-RU" smtClean="0"/>
               <a:t>Второй уровень</a:t>
             </a:r>
           </a:p>
           <a:p>
             <a:pPr lvl="2"/>
             <a:r>
-              <a:rPr lang="ru-RU"/>
+              <a:rPr lang="ru-RU" smtClean="0"/>
               <a:t>Третий уровень</a:t>
             </a:r>
           </a:p>
           <a:p>
             <a:pPr lvl="3"/>
             <a:r>
-              <a:rPr lang="ru-RU"/>
+              <a:rPr lang="ru-RU" smtClean="0"/>
               <a:t>Четвертый уровень</a:t>
             </a:r>
           </a:p>
           <a:p>
             <a:pPr lvl="4"/>
             <a:r>
-              <a:rPr lang="ru-RU"/>
+              <a:rPr lang="ru-RU" smtClean="0"/>
               <a:t>Пятый уровень</a:t>
             </a:r>
             <a:endParaRPr lang="en-US" dirty="0"/>
@@ -5853,7 +5818,7 @@
           <a:p>
             <a:fld id="{5DEB0BBD-30FE-4CF1-900A-0C45149F8AF8}" type="datetimeFigureOut">
               <a:rPr lang="en-US" dirty="0"/>
-              <a:t>3/20/21</a:t>
+              <a:t>3/20/2021</a:t>
             </a:fld>
             <a:endParaRPr lang="en-US" dirty="0"/>
           </a:p>
@@ -6081,7 +6046,7 @@
           <a:lstStyle/>
           <a:p>
             <a:r>
-              <a:rPr lang="ru-RU"/>
+              <a:rPr lang="ru-RU" smtClean="0"/>
               <a:t>Образец заголовка</a:t>
             </a:r>
             <a:endParaRPr lang="en-US" dirty="0"/>
@@ -6105,7 +6070,7 @@
           <a:p>
             <a:fld id="{B91A5F7F-3E81-4C65-A4D1-CB62D5B9DB91}" type="datetimeFigureOut">
               <a:rPr lang="en-US" dirty="0"/>
-              <a:t>3/20/21</a:t>
+              <a:t>3/20/2021</a:t>
             </a:fld>
             <a:endParaRPr lang="en-US" dirty="0"/>
           </a:p>
@@ -6263,7 +6228,7 @@
           <a:p>
             <a:fld id="{377ECC86-1672-4627-AEFE-EC5485C73905}" type="datetimeFigureOut">
               <a:rPr lang="en-US" dirty="0"/>
-              <a:t>3/20/21</a:t>
+              <a:t>3/20/2021</a:t>
             </a:fld>
             <a:endParaRPr lang="en-US" dirty="0"/>
           </a:p>
@@ -6502,7 +6467,7 @@
           </a:lstStyle>
           <a:p>
             <a:r>
-              <a:rPr lang="ru-RU"/>
+              <a:rPr lang="ru-RU" smtClean="0"/>
               <a:t>Образец заголовка</a:t>
             </a:r>
             <a:endParaRPr lang="en-US" dirty="0"/>
@@ -6531,35 +6496,35 @@
           <a:p>
             <a:pPr lvl="0"/>
             <a:r>
-              <a:rPr lang="ru-RU"/>
+              <a:rPr lang="ru-RU" smtClean="0"/>
               <a:t>Образец текста</a:t>
             </a:r>
           </a:p>
           <a:p>
             <a:pPr lvl="1"/>
             <a:r>
-              <a:rPr lang="ru-RU"/>
+              <a:rPr lang="ru-RU" smtClean="0"/>
               <a:t>Второй уровень</a:t>
             </a:r>
           </a:p>
           <a:p>
             <a:pPr lvl="2"/>
             <a:r>
-              <a:rPr lang="ru-RU"/>
+              <a:rPr lang="ru-RU" smtClean="0"/>
               <a:t>Третий уровень</a:t>
             </a:r>
           </a:p>
           <a:p>
             <a:pPr lvl="3"/>
             <a:r>
-              <a:rPr lang="ru-RU"/>
+              <a:rPr lang="ru-RU" smtClean="0"/>
               <a:t>Четвертый уровень</a:t>
             </a:r>
           </a:p>
           <a:p>
             <a:pPr lvl="4"/>
             <a:r>
-              <a:rPr lang="ru-RU"/>
+              <a:rPr lang="ru-RU" smtClean="0"/>
               <a:t>Пятый уровень</a:t>
             </a:r>
             <a:endParaRPr lang="en-US" dirty="0"/>
@@ -6625,7 +6590,7 @@
           <a:p>
             <a:pPr lvl="0"/>
             <a:r>
-              <a:rPr lang="ru-RU"/>
+              <a:rPr lang="ru-RU" smtClean="0"/>
               <a:t>Образец текста</a:t>
             </a:r>
           </a:p>
@@ -6648,7 +6613,7 @@
           <a:p>
             <a:fld id="{3CDCB01F-D966-4C62-B900-0BE008A90C98}" type="datetimeFigureOut">
               <a:rPr lang="en-US" dirty="0"/>
-              <a:t>3/20/21</a:t>
+              <a:t>3/20/2021</a:t>
             </a:fld>
             <a:endParaRPr lang="en-US" dirty="0"/>
           </a:p>
@@ -6887,7 +6852,7 @@
           </a:lstStyle>
           <a:p>
             <a:r>
-              <a:rPr lang="ru-RU"/>
+              <a:rPr lang="ru-RU" smtClean="0"/>
               <a:t>Образец заголовка</a:t>
             </a:r>
             <a:endParaRPr lang="en-US" dirty="0"/>
@@ -6963,7 +6928,7 @@
           </a:lstStyle>
           <a:p>
             <a:r>
-              <a:rPr lang="ru-RU"/>
+              <a:rPr lang="ru-RU" smtClean="0"/>
               <a:t>Вставка рисунка</a:t>
             </a:r>
             <a:endParaRPr lang="en-US" dirty="0"/>
@@ -7029,7 +6994,7 @@
           <a:p>
             <a:pPr lvl="0"/>
             <a:r>
-              <a:rPr lang="ru-RU"/>
+              <a:rPr lang="ru-RU" smtClean="0"/>
               <a:t>Образец текста</a:t>
             </a:r>
           </a:p>
@@ -7052,7 +7017,7 @@
           <a:p>
             <a:fld id="{5E73A0EA-7DC7-4964-BB97-B173EF3B859A}" type="datetimeFigureOut">
               <a:rPr lang="en-US" dirty="0"/>
-              <a:t>3/20/21</a:t>
+              <a:t>3/20/2021</a:t>
             </a:fld>
             <a:endParaRPr lang="en-US" dirty="0"/>
           </a:p>
@@ -7187,7 +7152,7 @@
           <a:lstStyle/>
           <a:p>
             <a:r>
-              <a:rPr lang="ru-RU"/>
+              <a:rPr lang="ru-RU" smtClean="0"/>
               <a:t>Образец заголовка</a:t>
             </a:r>
             <a:endParaRPr lang="en-US" dirty="0"/>
@@ -7221,35 +7186,35 @@
           <a:p>
             <a:pPr lvl="0"/>
             <a:r>
-              <a:rPr lang="ru-RU"/>
+              <a:rPr lang="ru-RU" smtClean="0"/>
               <a:t>Образец текста</a:t>
             </a:r>
           </a:p>
           <a:p>
             <a:pPr lvl="1"/>
             <a:r>
-              <a:rPr lang="ru-RU"/>
+              <a:rPr lang="ru-RU" smtClean="0"/>
               <a:t>Второй уровень</a:t>
             </a:r>
           </a:p>
           <a:p>
             <a:pPr lvl="2"/>
             <a:r>
-              <a:rPr lang="ru-RU"/>
+              <a:rPr lang="ru-RU" smtClean="0"/>
               <a:t>Третий уровень</a:t>
             </a:r>
           </a:p>
           <a:p>
             <a:pPr lvl="3"/>
             <a:r>
-              <a:rPr lang="ru-RU"/>
+              <a:rPr lang="ru-RU" smtClean="0"/>
               <a:t>Четвертый уровень</a:t>
             </a:r>
           </a:p>
           <a:p>
             <a:pPr lvl="4"/>
             <a:r>
-              <a:rPr lang="ru-RU"/>
+              <a:rPr lang="ru-RU" smtClean="0"/>
               <a:t>Пятый уровень</a:t>
             </a:r>
             <a:endParaRPr lang="en-US" dirty="0"/>
@@ -7291,7 +7256,7 @@
           <a:p>
             <a:fld id="{30EF52CC-F3D9-41D4-BCE4-C208E61A3F31}" type="datetimeFigureOut">
               <a:rPr lang="en-US" dirty="0"/>
-              <a:t>3/20/21</a:t>
+              <a:t>3/20/2021</a:t>
             </a:fld>
             <a:endParaRPr lang="en-US" dirty="0"/>
           </a:p>
@@ -7715,9 +7680,10 @@
           <a:lstStyle/>
           <a:p>
             <a:r>
-              <a:rPr lang="en-US" dirty="0"/>
+              <a:rPr lang="en-US" dirty="0" smtClean="0"/>
               <a:t>Graph Theory</a:t>
             </a:r>
+            <a:endParaRPr lang="en-US" dirty="0"/>
           </a:p>
         </p:txBody>
       </p:sp>
@@ -7737,7 +7703,7 @@
           <a:lstStyle/>
           <a:p>
             <a:r>
-              <a:rPr lang="en-US" dirty="0" err="1"/>
+              <a:rPr lang="en-US" dirty="0" err="1" smtClean="0"/>
               <a:t>Team:BIGRES</a:t>
             </a:r>
             <a:endParaRPr lang="en-US" dirty="0"/>
@@ -7748,107 +7714,6 @@
     <p:extLst>
       <p:ext uri="{BB962C8B-B14F-4D97-AF65-F5344CB8AC3E}">
         <p14:creationId xmlns:p14="http://schemas.microsoft.com/office/powerpoint/2010/main" val="1765505436"/>
-      </p:ext>
-    </p:extLst>
-  </p:cSld>
-  <p:clrMapOvr>
-    <a:masterClrMapping/>
-  </p:clrMapOvr>
-</p:sld>
-</file>
-
-<file path=ppt/slides/slide10.xml><?xml version="1.0" encoding="utf-8"?>
-<p:sld xmlns:a="http://schemas.openxmlformats.org/drawingml/2006/main" xmlns:r="http://schemas.openxmlformats.org/officeDocument/2006/relationships" xmlns:p="http://schemas.openxmlformats.org/presentationml/2006/main">
-  <p:cSld>
-    <p:spTree>
-      <p:nvGrpSpPr>
-        <p:cNvPr id="1" name=""/>
-        <p:cNvGrpSpPr/>
-        <p:nvPr/>
-      </p:nvGrpSpPr>
-      <p:grpSpPr>
-        <a:xfrm>
-          <a:off x="0" y="0"/>
-          <a:ext cx="0" cy="0"/>
-          <a:chOff x="0" y="0"/>
-          <a:chExt cx="0" cy="0"/>
-        </a:xfrm>
-      </p:grpSpPr>
-      <p:sp>
-        <p:nvSpPr>
-          <p:cNvPr id="3" name="Объект 2"/>
-          <p:cNvSpPr>
-            <a:spLocks noGrp="1"/>
-          </p:cNvSpPr>
-          <p:nvPr>
-            <p:ph idx="1"/>
-          </p:nvPr>
-        </p:nvSpPr>
-        <p:spPr/>
-        <p:txBody>
-          <a:bodyPr>
-            <a:normAutofit fontScale="92500"/>
-          </a:bodyPr>
-          <a:lstStyle/>
-          <a:p>
-            <a:pPr marL="0" indent="0">
-              <a:buNone/>
-            </a:pPr>
-            <a:r>
-              <a:rPr lang="en-US" b="1" dirty="0"/>
-              <a:t>4. Mathematics</a:t>
-            </a:r>
-          </a:p>
-          <a:p>
-            <a:r>
-              <a:rPr lang="en-US" dirty="0"/>
-              <a:t>In mathematics, operational research is the important field. Graph theory provides many useful applications in operational research. Like:</a:t>
-            </a:r>
-          </a:p>
-          <a:p>
-            <a:r>
-              <a:rPr lang="en-US" dirty="0"/>
-              <a:t>Minimum cost path.</a:t>
-            </a:r>
-          </a:p>
-          <a:p>
-            <a:r>
-              <a:rPr lang="en-US" dirty="0"/>
-              <a:t>A scheduling problem.</a:t>
-            </a:r>
-          </a:p>
-          <a:p>
-            <a:pPr marL="0" indent="0">
-              <a:buNone/>
-            </a:pPr>
-            <a:r>
-              <a:rPr lang="en-US" b="1" dirty="0"/>
-              <a:t>5. General</a:t>
-            </a:r>
-          </a:p>
-          <a:p>
-            <a:r>
-              <a:rPr lang="en-US" dirty="0"/>
-              <a:t>Graphs are used to represent the routes between the cities. With the help of tree that is a type of graph, we can create hierarchical ordered information such as </a:t>
-            </a:r>
-            <a:r>
-              <a:rPr lang="en-US" b="1" dirty="0"/>
-              <a:t>family tree</a:t>
-            </a:r>
-            <a:r>
-              <a:rPr lang="en-US" dirty="0"/>
-              <a:t>.</a:t>
-            </a:r>
-          </a:p>
-          <a:p>
-            <a:endParaRPr lang="en-US" dirty="0"/>
-          </a:p>
-        </p:txBody>
-      </p:sp>
-    </p:spTree>
-    <p:extLst>
-      <p:ext uri="{BB962C8B-B14F-4D97-AF65-F5344CB8AC3E}">
-        <p14:creationId xmlns:p14="http://schemas.microsoft.com/office/powerpoint/2010/main" val="3326200483"/>
       </p:ext>
     </p:extLst>
   </p:cSld>
@@ -7891,7 +7756,7 @@
           <a:lstStyle/>
           <a:p>
             <a:r>
-              <a:rPr lang="en-US" dirty="0"/>
+              <a:rPr lang="en-US" dirty="0" smtClean="0"/>
               <a:t>Team members</a:t>
             </a:r>
             <a:endParaRPr lang="ru-RU" dirty="0"/>
@@ -7922,10 +7787,10 @@
               <a:t> </a:t>
             </a:r>
             <a:r>
-              <a:rPr lang="en-US" dirty="0" err="1"/>
+              <a:rPr lang="en-US" dirty="0" err="1" smtClean="0"/>
               <a:t>Nurgazy</a:t>
             </a:r>
-            <a:endParaRPr lang="en-US" dirty="0"/>
+            <a:endParaRPr lang="en-US" dirty="0" smtClean="0"/>
           </a:p>
           <a:p>
             <a:r>
@@ -7937,48 +7802,48 @@
               <a:t> </a:t>
             </a:r>
             <a:r>
-              <a:rPr lang="en-US" dirty="0" err="1"/>
+              <a:rPr lang="en-US" dirty="0" err="1" smtClean="0"/>
               <a:t>Anarbay</a:t>
             </a:r>
-            <a:endParaRPr lang="en-US" dirty="0"/>
-          </a:p>
-          <a:p>
-            <a:r>
-              <a:rPr lang="en-US" dirty="0" err="1"/>
+            <a:endParaRPr lang="en-US" dirty="0" smtClean="0"/>
+          </a:p>
+          <a:p>
+            <a:r>
+              <a:rPr lang="en-US" dirty="0" err="1" smtClean="0"/>
               <a:t>Seniha</a:t>
             </a:r>
             <a:r>
-              <a:rPr lang="en-US" dirty="0"/>
+              <a:rPr lang="en-US" dirty="0" smtClean="0"/>
               <a:t> </a:t>
             </a:r>
             <a:r>
-              <a:rPr lang="en-US" dirty="0" err="1"/>
+              <a:rPr lang="en-US" dirty="0" err="1" smtClean="0"/>
               <a:t>Bekmez</a:t>
             </a:r>
-            <a:endParaRPr lang="en-US" dirty="0"/>
-          </a:p>
-          <a:p>
-            <a:r>
-              <a:rPr lang="en-US" dirty="0" err="1"/>
+            <a:endParaRPr lang="en-US" dirty="0" smtClean="0"/>
+          </a:p>
+          <a:p>
+            <a:r>
+              <a:rPr lang="en-US" dirty="0" err="1" smtClean="0"/>
               <a:t>Aisana</a:t>
             </a:r>
             <a:r>
-              <a:rPr lang="en-US" dirty="0"/>
+              <a:rPr lang="en-US" dirty="0" smtClean="0"/>
               <a:t> </a:t>
             </a:r>
             <a:r>
-              <a:rPr lang="en-US" dirty="0" err="1"/>
+              <a:rPr lang="en-US" dirty="0" err="1" smtClean="0"/>
               <a:t>Yessimkhan</a:t>
             </a:r>
-            <a:endParaRPr lang="en-US" dirty="0"/>
-          </a:p>
-          <a:p>
-            <a:r>
-              <a:rPr lang="en-US" dirty="0" err="1"/>
+            <a:endParaRPr lang="en-US" dirty="0" smtClean="0"/>
+          </a:p>
+          <a:p>
+            <a:r>
+              <a:rPr lang="en-US" dirty="0" err="1" smtClean="0"/>
               <a:t>Shamil</a:t>
             </a:r>
             <a:r>
-              <a:rPr lang="en-US" dirty="0"/>
+              <a:rPr lang="en-US" dirty="0" smtClean="0"/>
               <a:t> </a:t>
             </a:r>
             <a:r>
@@ -8035,9 +7900,10 @@
           <a:lstStyle/>
           <a:p>
             <a:r>
-              <a:rPr lang="en-US" dirty="0"/>
+              <a:rPr lang="en-US" dirty="0" smtClean="0"/>
               <a:t>Graph theory</a:t>
             </a:r>
+            <a:endParaRPr lang="en-US" dirty="0"/>
           </a:p>
         </p:txBody>
       </p:sp>
@@ -8056,15 +7922,19 @@
           <a:bodyPr/>
           <a:lstStyle/>
           <a:p>
-            <a:endParaRPr lang="en-US" dirty="0"/>
+            <a:endParaRPr lang="en-US" dirty="0" smtClean="0"/>
           </a:p>
           <a:p>
             <a:pPr marL="0" indent="0">
               <a:buNone/>
             </a:pPr>
             <a:r>
+              <a:rPr lang="en-US" b="1" dirty="0" smtClean="0"/>
+              <a:t>Graph </a:t>
+            </a:r>
+            <a:r>
               <a:rPr lang="en-US" b="1" dirty="0"/>
-              <a:t>Graph theory is the mathematical study of systems of interacting elements. The elements are modeled as nodes in a graph, and their connections are represented as edges. These edges could represent physical (e.g., an axon between neurons) or statistical (e.g., a correlation between time-series) relationship.</a:t>
+              <a:t>theory is the mathematical study of systems of interacting elements. The elements are modeled as nodes in a graph, and their connections are represented as edges. These edges could represent physical (e.g., an axon between neurons) or statistical (e.g., a correlation between time-series) relationship.</a:t>
             </a:r>
           </a:p>
         </p:txBody>
@@ -8115,8 +7985,20 @@
           <a:lstStyle/>
           <a:p>
             <a:r>
+              <a:rPr lang="en-US" dirty="0" smtClean="0"/>
+              <a:t>A list </a:t>
+            </a:r>
+            <a:r>
               <a:rPr lang="en-US" dirty="0"/>
-              <a:t>A list of all the graph theory terms we need to know:</a:t>
+              <a:t>of all the graph theory terms </a:t>
+            </a:r>
+            <a:r>
+              <a:rPr lang="en-US" dirty="0" smtClean="0"/>
+              <a:t>we </a:t>
+            </a:r>
+            <a:r>
+              <a:rPr lang="en-US" dirty="0"/>
+              <a:t>need to know:</a:t>
             </a:r>
           </a:p>
         </p:txBody>
@@ -8228,9 +8110,10 @@
           <a:lstStyle/>
           <a:p>
             <a:r>
-              <a:rPr lang="en-US" dirty="0"/>
+              <a:rPr lang="en-US" dirty="0" smtClean="0"/>
               <a:t>Graph theory</a:t>
             </a:r>
+            <a:endParaRPr lang="en-US" dirty="0"/>
           </a:p>
         </p:txBody>
       </p:sp>
@@ -8271,7 +8154,11 @@
           <a:p>
             <a:r>
               <a:rPr lang="en-US" sz="2600" dirty="0"/>
-              <a:t>Graphs can be used to model many types of relations and processes in physical, biological, social and information systems, and has a wide range of useful applications such as e.g.</a:t>
+              <a:t>Graphs can be used to model many types of relations and processes in physical, biological, social and information systems, and has a wide range of useful applications such as e.g</a:t>
+            </a:r>
+            <a:r>
+              <a:rPr lang="en-US" sz="2600" dirty="0" smtClean="0"/>
+              <a:t>.</a:t>
             </a:r>
           </a:p>
           <a:p>
@@ -8368,7 +8255,7 @@
           <a:p>
             <a:r>
               <a:rPr lang="en-US" dirty="0"/>
-              <a:t>Graph Theory Algorithms </a:t>
+              <a:t>Application of given theory</a:t>
             </a:r>
           </a:p>
         </p:txBody>
@@ -8383,192 +8270,147 @@
             <p:ph idx="1"/>
           </p:nvPr>
         </p:nvSpPr>
-        <p:spPr>
-          <a:xfrm>
-            <a:off x="680321" y="2336873"/>
-            <a:ext cx="4760359" cy="3599316"/>
-          </a:xfrm>
-        </p:spPr>
-        <p:txBody>
-          <a:bodyPr/>
-          <a:lstStyle/>
-          <a:p>
-            <a:r>
-              <a:rPr lang="en-US" sz="1400" b="1" dirty="0"/>
-              <a:t>Directed graph</a:t>
-            </a:r>
-            <a:endParaRPr lang="en-US" sz="1400" dirty="0"/>
-          </a:p>
-          <a:p>
-            <a:r>
-              <a:rPr lang="en-US" sz="1400" dirty="0"/>
-              <a:t>A graph with edges that have direction on them is called a </a:t>
-            </a:r>
-            <a:r>
-              <a:rPr lang="en-US" sz="1400" i="1" dirty="0"/>
-              <a:t>directed graph</a:t>
-            </a:r>
-            <a:r>
-              <a:rPr lang="en-US" sz="1400" dirty="0"/>
-              <a:t>. It may be used to show relations to predecessors (arrow from parents to their child) or ancestors (arrow from children to their parents).</a:t>
-            </a:r>
-          </a:p>
-          <a:p>
-            <a:endParaRPr lang="en-US" dirty="0"/>
-          </a:p>
-        </p:txBody>
-      </p:sp>
-      <p:pic>
-        <p:nvPicPr>
-          <p:cNvPr id="1028" name="Picture 4">
-            <a:extLst>
-              <a:ext uri="{FF2B5EF4-FFF2-40B4-BE49-F238E27FC236}">
-                <a16:creationId xmlns:a16="http://schemas.microsoft.com/office/drawing/2014/main" id="{E0186947-53D2-704A-9863-B858B0A434AE}"/>
-              </a:ext>
-            </a:extLst>
-          </p:cNvPr>
-          <p:cNvPicPr>
-            <a:picLocks noChangeAspect="1" noChangeArrowheads="1"/>
-          </p:cNvPicPr>
-          <p:nvPr/>
-        </p:nvPicPr>
-        <p:blipFill>
-          <a:blip r:embed="rId2">
-            <a:extLst>
-              <a:ext uri="{28A0092B-C50C-407E-A947-70E740481C1C}">
-                <a14:useLocalDpi xmlns:a14="http://schemas.microsoft.com/office/drawing/2010/main" val="0"/>
-              </a:ext>
-            </a:extLst>
-          </a:blip>
-          <a:srcRect/>
-          <a:stretch>
-            <a:fillRect/>
-          </a:stretch>
-        </p:blipFill>
-        <p:spPr bwMode="auto">
-          <a:xfrm>
-            <a:off x="804761" y="4297187"/>
-            <a:ext cx="3934879" cy="1447546"/>
-          </a:xfrm>
-          <a:prstGeom prst="rect">
-            <a:avLst/>
-          </a:prstGeom>
-          <a:noFill/>
-          <a:extLst>
-            <a:ext uri="{909E8E84-426E-40DD-AFC4-6F175D3DCCD1}">
-              <a14:hiddenFill xmlns:a14="http://schemas.microsoft.com/office/drawing/2010/main">
-                <a:solidFill>
-                  <a:srgbClr val="FFFFFF"/>
-                </a:solidFill>
-              </a14:hiddenFill>
-            </a:ext>
-          </a:extLst>
-        </p:spPr>
-      </p:pic>
-      <p:sp>
-        <p:nvSpPr>
-          <p:cNvPr id="4" name="Rectangle 3">
-            <a:extLst>
-              <a:ext uri="{FF2B5EF4-FFF2-40B4-BE49-F238E27FC236}">
-                <a16:creationId xmlns:a16="http://schemas.microsoft.com/office/drawing/2014/main" id="{3ABC3BB1-17FF-1647-A171-510084ED5337}"/>
-              </a:ext>
-            </a:extLst>
-          </p:cNvPr>
-          <p:cNvSpPr/>
-          <p:nvPr/>
-        </p:nvSpPr>
-        <p:spPr>
-          <a:xfrm>
-            <a:off x="6888480" y="2336873"/>
-            <a:ext cx="4206240" cy="1169551"/>
-          </a:xfrm>
-          <a:prstGeom prst="rect">
-            <a:avLst/>
-          </a:prstGeom>
-        </p:spPr>
-        <p:txBody>
-          <a:bodyPr wrap="square">
-            <a:spAutoFit/>
+        <p:spPr/>
+        <p:txBody>
+          <a:bodyPr>
+            <a:normAutofit fontScale="25000" lnSpcReduction="20000"/>
           </a:bodyPr>
           <a:lstStyle/>
           <a:p>
-            <a:r>
-              <a:rPr lang="en-US" sz="1400" b="1" dirty="0">
-                <a:latin typeface="sohne"/>
-              </a:rPr>
-              <a:t>Undirected graph</a:t>
-            </a:r>
-          </a:p>
-          <a:p>
-            <a:endParaRPr lang="en-US" sz="1400" dirty="0">
-              <a:latin typeface="sohne"/>
-            </a:endParaRPr>
-          </a:p>
-          <a:p>
-            <a:r>
-              <a:rPr lang="en-US" sz="1400" dirty="0">
-                <a:latin typeface="charter" panose="02040503050506020203" pitchFamily="18" charset="0"/>
-              </a:rPr>
-              <a:t>A graph with edges without directions on them is called an undirected graph. It may be used to show a two-way road.</a:t>
-            </a:r>
-            <a:endParaRPr lang="en-US" sz="1400" b="0" i="0" u="none" strike="noStrike" dirty="0">
-              <a:effectLst/>
-              <a:latin typeface="charter" panose="02040503050506020203" pitchFamily="18" charset="0"/>
-            </a:endParaRPr>
-          </a:p>
-        </p:txBody>
-      </p:sp>
-      <p:pic>
-        <p:nvPicPr>
-          <p:cNvPr id="1030" name="Picture 6">
-            <a:extLst>
-              <a:ext uri="{FF2B5EF4-FFF2-40B4-BE49-F238E27FC236}">
-                <a16:creationId xmlns:a16="http://schemas.microsoft.com/office/drawing/2014/main" id="{6CBF382C-C210-3847-AEF8-7B59883D3F36}"/>
-              </a:ext>
-            </a:extLst>
-          </p:cNvPr>
-          <p:cNvPicPr>
-            <a:picLocks noChangeAspect="1" noChangeArrowheads="1"/>
-          </p:cNvPicPr>
-          <p:nvPr/>
-        </p:nvPicPr>
-        <p:blipFill>
-          <a:blip r:embed="rId3">
-            <a:extLst>
-              <a:ext uri="{28A0092B-C50C-407E-A947-70E740481C1C}">
-                <a14:useLocalDpi xmlns:a14="http://schemas.microsoft.com/office/drawing/2010/main" val="0"/>
-              </a:ext>
-            </a:extLst>
-          </a:blip>
-          <a:srcRect/>
-          <a:stretch>
-            <a:fillRect/>
-          </a:stretch>
-        </p:blipFill>
-        <p:spPr bwMode="auto">
-          <a:xfrm>
-            <a:off x="6888480" y="4297186"/>
-            <a:ext cx="3212286" cy="1447547"/>
-          </a:xfrm>
-          <a:prstGeom prst="rect">
-            <a:avLst/>
-          </a:prstGeom>
-          <a:noFill/>
-          <a:extLst>
-            <a:ext uri="{909E8E84-426E-40DD-AFC4-6F175D3DCCD1}">
-              <a14:hiddenFill xmlns:a14="http://schemas.microsoft.com/office/drawing/2010/main">
-                <a:solidFill>
-                  <a:srgbClr val="FFFFFF"/>
-                </a:solidFill>
-              </a14:hiddenFill>
-            </a:ext>
-          </a:extLst>
-        </p:spPr>
-      </p:pic>
+            <a:pPr marL="0" indent="0">
+              <a:buNone/>
+            </a:pPr>
+            <a:r>
+              <a:rPr lang="en-US" sz="8000" dirty="0"/>
+              <a:t>Graph Theory is used in vast area of science and technologies. Some of them are given </a:t>
+            </a:r>
+            <a:r>
+              <a:rPr lang="en-US" sz="8000" dirty="0" smtClean="0"/>
+              <a:t>below:</a:t>
+            </a:r>
+          </a:p>
+          <a:p>
+            <a:r>
+              <a:rPr lang="en-US" sz="8000" b="1" dirty="0"/>
+              <a:t>1. Computer Science</a:t>
+            </a:r>
+          </a:p>
+          <a:p>
+            <a:r>
+              <a:rPr lang="en-US" sz="8000" dirty="0"/>
+              <a:t>In </a:t>
+            </a:r>
+            <a:r>
+              <a:rPr lang="en-US" sz="8000" b="1" dirty="0"/>
+              <a:t>computer science</a:t>
+            </a:r>
+            <a:r>
+              <a:rPr lang="en-US" sz="8000" dirty="0"/>
+              <a:t> graph theory is used for the </a:t>
+            </a:r>
+            <a:r>
+              <a:rPr lang="en-US" sz="8000" b="1" dirty="0"/>
+              <a:t>study of algorithms</a:t>
+            </a:r>
+            <a:r>
+              <a:rPr lang="en-US" sz="8000" dirty="0"/>
+              <a:t> like:</a:t>
+            </a:r>
+          </a:p>
+          <a:p>
+            <a:r>
+              <a:rPr lang="en-US" sz="8000" dirty="0"/>
+              <a:t>Dijkstra's Algorithm</a:t>
+            </a:r>
+          </a:p>
+          <a:p>
+            <a:r>
+              <a:rPr lang="en-US" sz="8000" dirty="0" err="1"/>
+              <a:t>Prims's</a:t>
+            </a:r>
+            <a:r>
+              <a:rPr lang="en-US" sz="8000" dirty="0"/>
+              <a:t> Algorithm</a:t>
+            </a:r>
+          </a:p>
+          <a:p>
+            <a:r>
+              <a:rPr lang="en-US" sz="8000" dirty="0" err="1"/>
+              <a:t>Kruskal's</a:t>
+            </a:r>
+            <a:r>
+              <a:rPr lang="en-US" sz="8000" dirty="0"/>
+              <a:t> </a:t>
+            </a:r>
+            <a:r>
+              <a:rPr lang="en-US" sz="8000" dirty="0" smtClean="0"/>
+              <a:t>Algorithm</a:t>
+            </a:r>
+          </a:p>
+          <a:p>
+            <a:pPr marL="0" indent="0">
+              <a:buNone/>
+            </a:pPr>
+            <a:endParaRPr lang="en-US" sz="8000" dirty="0" smtClean="0"/>
+          </a:p>
+          <a:p>
+            <a:r>
+              <a:rPr lang="en-US" sz="8000" dirty="0" smtClean="0"/>
+              <a:t>Graphs </a:t>
+            </a:r>
+            <a:r>
+              <a:rPr lang="en-US" sz="8000" dirty="0"/>
+              <a:t>are used to define the </a:t>
+            </a:r>
+            <a:r>
+              <a:rPr lang="en-US" sz="8000" b="1" dirty="0"/>
+              <a:t>flow of computation</a:t>
+            </a:r>
+            <a:r>
+              <a:rPr lang="en-US" sz="8000" dirty="0"/>
+              <a:t>.</a:t>
+            </a:r>
+          </a:p>
+          <a:p>
+            <a:r>
+              <a:rPr lang="en-US" sz="8000" dirty="0"/>
+              <a:t>Graphs are used to represent </a:t>
+            </a:r>
+            <a:r>
+              <a:rPr lang="en-US" sz="8000" b="1" dirty="0"/>
+              <a:t>networks of communication</a:t>
+            </a:r>
+            <a:r>
+              <a:rPr lang="en-US" sz="8000" dirty="0"/>
+              <a:t>.</a:t>
+            </a:r>
+          </a:p>
+          <a:p>
+            <a:r>
+              <a:rPr lang="en-US" sz="8000" dirty="0"/>
+              <a:t>Graphs are used to represent </a:t>
+            </a:r>
+            <a:r>
+              <a:rPr lang="en-US" sz="8000" b="1" dirty="0"/>
+              <a:t>data organization</a:t>
+            </a:r>
+            <a:r>
+              <a:rPr lang="en-US" sz="8000" dirty="0"/>
+              <a:t>.</a:t>
+            </a:r>
+          </a:p>
+          <a:p>
+            <a:pPr marL="0" indent="0">
+              <a:buNone/>
+            </a:pPr>
+            <a:endParaRPr lang="en-US" dirty="0"/>
+          </a:p>
+        </p:txBody>
+      </p:sp>
     </p:spTree>
     <p:extLst>
       <p:ext uri="{BB962C8B-B14F-4D97-AF65-F5344CB8AC3E}">
-        <p14:creationId xmlns:p14="http://schemas.microsoft.com/office/powerpoint/2010/main" val="4001017268"/>
+        <p14:creationId xmlns:p14="http://schemas.microsoft.com/office/powerpoint/2010/main" val="1215333417"/>
       </p:ext>
     </p:extLst>
   </p:cSld>
@@ -8597,13 +8439,7 @@
       </p:grpSpPr>
       <p:sp>
         <p:nvSpPr>
-          <p:cNvPr id="3" name="Content Placeholder 2">
-            <a:extLst>
-              <a:ext uri="{FF2B5EF4-FFF2-40B4-BE49-F238E27FC236}">
-                <a16:creationId xmlns:a16="http://schemas.microsoft.com/office/drawing/2014/main" id="{5BD567B9-92D8-144F-85AA-91AF946CB684}"/>
-              </a:ext>
-            </a:extLst>
-          </p:cNvPr>
+          <p:cNvPr id="3" name="Объект 2"/>
           <p:cNvSpPr>
             <a:spLocks noGrp="1"/>
           </p:cNvSpPr>
@@ -8613,200 +8449,131 @@
         </p:nvSpPr>
         <p:spPr>
           <a:xfrm>
-            <a:off x="360281" y="2336873"/>
-            <a:ext cx="3845959" cy="3599316"/>
-          </a:xfrm>
-        </p:spPr>
-        <p:txBody>
-          <a:bodyPr/>
-          <a:lstStyle/>
-          <a:p>
-            <a:r>
-              <a:rPr lang="en-US" sz="1400" b="1" dirty="0"/>
-              <a:t>Weighted graph</a:t>
-            </a:r>
-            <a:endParaRPr lang="en-US" sz="1400" dirty="0"/>
-          </a:p>
-          <a:p>
-            <a:r>
-              <a:rPr lang="en-US" sz="1400" dirty="0"/>
-              <a:t>A graph in which the edges have a number on them to represent the cost of a transaction, fair of a journey, the distance between cities, etc. It can have any type of edge.</a:t>
-            </a:r>
-          </a:p>
-          <a:p>
-            <a:endParaRPr lang="en-KZ" dirty="0"/>
-          </a:p>
-        </p:txBody>
-      </p:sp>
-      <p:pic>
-        <p:nvPicPr>
-          <p:cNvPr id="2052" name="Picture 4">
-            <a:extLst>
-              <a:ext uri="{FF2B5EF4-FFF2-40B4-BE49-F238E27FC236}">
-                <a16:creationId xmlns:a16="http://schemas.microsoft.com/office/drawing/2014/main" id="{CF422175-C3C8-394A-BDD8-B55BD21A45EB}"/>
-              </a:ext>
-            </a:extLst>
-          </p:cNvPr>
-          <p:cNvPicPr>
-            <a:picLocks noChangeAspect="1" noChangeArrowheads="1"/>
-          </p:cNvPicPr>
-          <p:nvPr/>
-        </p:nvPicPr>
-        <p:blipFill>
-          <a:blip r:embed="rId2">
-            <a:extLst>
-              <a:ext uri="{28A0092B-C50C-407E-A947-70E740481C1C}">
-                <a14:useLocalDpi xmlns:a14="http://schemas.microsoft.com/office/drawing/2010/main" val="0"/>
-              </a:ext>
-            </a:extLst>
-          </a:blip>
-          <a:srcRect/>
-          <a:stretch>
-            <a:fillRect/>
-          </a:stretch>
-        </p:blipFill>
-        <p:spPr bwMode="auto">
-          <a:xfrm>
-            <a:off x="680321" y="4127162"/>
-            <a:ext cx="4230789" cy="1809027"/>
-          </a:xfrm>
-          <a:prstGeom prst="rect">
-            <a:avLst/>
-          </a:prstGeom>
-          <a:noFill/>
-          <a:extLst>
-            <a:ext uri="{909E8E84-426E-40DD-AFC4-6F175D3DCCD1}">
-              <a14:hiddenFill xmlns:a14="http://schemas.microsoft.com/office/drawing/2010/main">
-                <a:solidFill>
-                  <a:srgbClr val="FFFFFF"/>
-                </a:solidFill>
-              </a14:hiddenFill>
-            </a:ext>
-          </a:extLst>
-        </p:spPr>
-      </p:pic>
-      <p:sp>
-        <p:nvSpPr>
-          <p:cNvPr id="4" name="Rectangle 3">
-            <a:extLst>
-              <a:ext uri="{FF2B5EF4-FFF2-40B4-BE49-F238E27FC236}">
-                <a16:creationId xmlns:a16="http://schemas.microsoft.com/office/drawing/2014/main" id="{93DADC69-2E36-F24C-8AAA-B5C2D6513EA1}"/>
-              </a:ext>
-            </a:extLst>
-          </p:cNvPr>
-          <p:cNvSpPr/>
-          <p:nvPr/>
-        </p:nvSpPr>
-        <p:spPr>
-          <a:xfrm>
-            <a:off x="6096000" y="2336873"/>
-            <a:ext cx="5873333" cy="1384995"/>
-          </a:xfrm>
-          <a:prstGeom prst="rect">
-            <a:avLst/>
-          </a:prstGeom>
-        </p:spPr>
-        <p:txBody>
-          <a:bodyPr wrap="square">
-            <a:spAutoFit/>
+            <a:off x="680321" y="2336873"/>
+            <a:ext cx="9613861" cy="4157712"/>
+          </a:xfrm>
+        </p:spPr>
+        <p:txBody>
+          <a:bodyPr>
+            <a:normAutofit fontScale="92500" lnSpcReduction="20000"/>
           </a:bodyPr>
           <a:lstStyle/>
           <a:p>
-            <a:r>
-              <a:rPr lang="en-US" sz="1400" b="1" dirty="0">
-                <a:latin typeface="sohne"/>
-              </a:rPr>
-              <a:t>Tree</a:t>
-            </a:r>
-            <a:endParaRPr lang="en-US" sz="1400" dirty="0">
-              <a:latin typeface="sohne"/>
-            </a:endParaRPr>
-          </a:p>
-          <a:p>
-            <a:r>
-              <a:rPr lang="en-US" sz="1400" dirty="0">
-                <a:latin typeface="charter" panose="02040503050506020203" pitchFamily="18" charset="0"/>
-              </a:rPr>
-              <a:t>An undirected graph with no cycles in it is a </a:t>
-            </a:r>
-            <a:r>
-              <a:rPr lang="en-US" sz="1400" i="1" dirty="0">
-                <a:latin typeface="Charter" panose="02040503050506020203" pitchFamily="18" charset="0"/>
-              </a:rPr>
-              <a:t>tree</a:t>
-            </a:r>
-            <a:r>
-              <a:rPr lang="en-US" sz="1400" dirty="0">
-                <a:latin typeface="charter" panose="02040503050506020203" pitchFamily="18" charset="0"/>
-              </a:rPr>
-              <a:t>. Here, cycle means that there is only one way to go to a node by following edges from a given other node.</a:t>
-            </a:r>
-          </a:p>
-          <a:p>
-            <a:r>
-              <a:rPr lang="en-US" sz="1400" dirty="0">
-                <a:latin typeface="charter" panose="02040503050506020203" pitchFamily="18" charset="0"/>
-              </a:rPr>
-              <a:t>A tree has all its nodes connected by an edge to some other node and has N nodes with N-1 edges.</a:t>
-            </a:r>
-            <a:endParaRPr lang="en-US" sz="1400" b="0" i="0" u="none" strike="noStrike" dirty="0">
-              <a:effectLst/>
-              <a:latin typeface="charter" panose="02040503050506020203" pitchFamily="18" charset="0"/>
-            </a:endParaRPr>
-          </a:p>
-        </p:txBody>
-      </p:sp>
-      <p:pic>
-        <p:nvPicPr>
-          <p:cNvPr id="2054" name="Picture 6">
-            <a:extLst>
-              <a:ext uri="{FF2B5EF4-FFF2-40B4-BE49-F238E27FC236}">
-                <a16:creationId xmlns:a16="http://schemas.microsoft.com/office/drawing/2014/main" id="{116EEF77-A6D8-D649-9F4F-56B22BB1AD6A}"/>
-              </a:ext>
-            </a:extLst>
-          </p:cNvPr>
-          <p:cNvPicPr>
-            <a:picLocks noChangeAspect="1" noChangeArrowheads="1"/>
-          </p:cNvPicPr>
-          <p:nvPr/>
-        </p:nvPicPr>
-        <p:blipFill>
-          <a:blip r:embed="rId3">
-            <a:extLst>
-              <a:ext uri="{28A0092B-C50C-407E-A947-70E740481C1C}">
-                <a14:useLocalDpi xmlns:a14="http://schemas.microsoft.com/office/drawing/2010/main" val="0"/>
-              </a:ext>
-            </a:extLst>
-          </a:blip>
-          <a:srcRect/>
-          <a:stretch>
-            <a:fillRect/>
-          </a:stretch>
-        </p:blipFill>
-        <p:spPr bwMode="auto">
-          <a:xfrm>
-            <a:off x="6273782" y="4268249"/>
-            <a:ext cx="4230789" cy="1526851"/>
-          </a:xfrm>
-          <a:prstGeom prst="rect">
-            <a:avLst/>
-          </a:prstGeom>
-          <a:noFill/>
-          <a:extLst>
-            <a:ext uri="{909E8E84-426E-40DD-AFC4-6F175D3DCCD1}">
-              <a14:hiddenFill xmlns:a14="http://schemas.microsoft.com/office/drawing/2010/main">
-                <a:solidFill>
-                  <a:srgbClr val="FFFFFF"/>
-                </a:solidFill>
-              </a14:hiddenFill>
-            </a:ext>
-          </a:extLst>
-        </p:spPr>
-      </p:pic>
+            <a:pPr marL="0" indent="0">
+              <a:buNone/>
+            </a:pPr>
+            <a:r>
+              <a:rPr lang="en-US" b="1" dirty="0"/>
+              <a:t>2. Electrical Engineering</a:t>
+            </a:r>
+          </a:p>
+          <a:p>
+            <a:r>
+              <a:rPr lang="en-US" dirty="0"/>
+              <a:t>In </a:t>
+            </a:r>
+            <a:r>
+              <a:rPr lang="en-US" b="1" dirty="0"/>
+              <a:t>Electrical Engineering</a:t>
+            </a:r>
+            <a:r>
+              <a:rPr lang="en-US" dirty="0"/>
+              <a:t>, graph theory is used in </a:t>
+            </a:r>
+            <a:r>
+              <a:rPr lang="en-US" b="1" dirty="0"/>
+              <a:t>designing of circuit connections</a:t>
+            </a:r>
+            <a:r>
+              <a:rPr lang="en-US" dirty="0"/>
+              <a:t>. These circuit connections are named as topologies. Some topologies are series, bridge, star and parallel topologies</a:t>
+            </a:r>
+            <a:r>
+              <a:rPr lang="en-US" dirty="0" smtClean="0"/>
+              <a:t>.</a:t>
+            </a:r>
+          </a:p>
+          <a:p>
+            <a:pPr marL="0" indent="0">
+              <a:buNone/>
+            </a:pPr>
+            <a:r>
+              <a:rPr lang="en-US" b="1" dirty="0" smtClean="0"/>
+              <a:t>3. </a:t>
+            </a:r>
+            <a:r>
+              <a:rPr lang="en-US" b="1" dirty="0"/>
+              <a:t>Computer Network</a:t>
+            </a:r>
+          </a:p>
+          <a:p>
+            <a:r>
+              <a:rPr lang="en-US" dirty="0"/>
+              <a:t>In computer network, the </a:t>
+            </a:r>
+            <a:r>
+              <a:rPr lang="en-US" b="1" dirty="0"/>
+              <a:t>relationships among interconnected computers</a:t>
+            </a:r>
+            <a:r>
+              <a:rPr lang="en-US" dirty="0"/>
+              <a:t> within the network, follow the principles of graph theory.</a:t>
+            </a:r>
+          </a:p>
+          <a:p>
+            <a:r>
+              <a:rPr lang="en-US" dirty="0"/>
+              <a:t>Graph theory is also used in </a:t>
+            </a:r>
+            <a:r>
+              <a:rPr lang="en-US" b="1" dirty="0"/>
+              <a:t>network security</a:t>
+            </a:r>
+            <a:r>
+              <a:rPr lang="en-US" dirty="0"/>
+              <a:t>.</a:t>
+            </a:r>
+          </a:p>
+          <a:p>
+            <a:r>
+              <a:rPr lang="en-US" dirty="0"/>
+              <a:t>We can use the vertex coloring algorithm to find a proper </a:t>
+            </a:r>
+            <a:r>
+              <a:rPr lang="en-US" b="1" dirty="0"/>
+              <a:t>coloring of the map</a:t>
+            </a:r>
+            <a:r>
+              <a:rPr lang="en-US" dirty="0"/>
+              <a:t> with four colors.</a:t>
+            </a:r>
+          </a:p>
+          <a:p>
+            <a:r>
+              <a:rPr lang="en-US" dirty="0"/>
+              <a:t>Vertex coloring algorithm may be used for assigning at most four different frequencies for any </a:t>
+            </a:r>
+            <a:r>
+              <a:rPr lang="en-US" b="1" dirty="0"/>
+              <a:t>GSM (Grouped Special Mobile) mobile phone networks</a:t>
+            </a:r>
+            <a:r>
+              <a:rPr lang="en-US" dirty="0"/>
+              <a:t>.</a:t>
+            </a:r>
+          </a:p>
+          <a:p>
+            <a:endParaRPr lang="en-US" dirty="0"/>
+          </a:p>
+          <a:p>
+            <a:endParaRPr lang="en-US" dirty="0"/>
+          </a:p>
+        </p:txBody>
+      </p:sp>
     </p:spTree>
     <p:extLst>
       <p:ext uri="{BB962C8B-B14F-4D97-AF65-F5344CB8AC3E}">
-        <p14:creationId xmlns:p14="http://schemas.microsoft.com/office/powerpoint/2010/main" val="3503511652"/>
+        <p14:creationId xmlns:p14="http://schemas.microsoft.com/office/powerpoint/2010/main" val="1399449891"/>
       </p:ext>
     </p:extLst>
   </p:cSld>
@@ -8835,40 +8602,18 @@
       </p:grpSpPr>
       <p:sp>
         <p:nvSpPr>
-          <p:cNvPr id="2" name="Заголовок 1"/>
-          <p:cNvSpPr>
-            <a:spLocks noGrp="1"/>
-          </p:cNvSpPr>
-          <p:nvPr>
-            <p:ph type="title"/>
+          <p:cNvPr id="3" name="Объект 2"/>
+          <p:cNvSpPr>
+            <a:spLocks noGrp="1"/>
+          </p:cNvSpPr>
+          <p:nvPr>
+            <p:ph idx="1"/>
           </p:nvPr>
         </p:nvSpPr>
         <p:spPr/>
         <p:txBody>
-          <a:bodyPr/>
-          <a:lstStyle/>
-          <a:p>
-            <a:r>
-              <a:rPr lang="en-US" dirty="0"/>
-              <a:t>Application of given theory</a:t>
-            </a:r>
-          </a:p>
-        </p:txBody>
-      </p:sp>
-      <p:sp>
-        <p:nvSpPr>
-          <p:cNvPr id="3" name="Объект 2"/>
-          <p:cNvSpPr>
-            <a:spLocks noGrp="1"/>
-          </p:cNvSpPr>
-          <p:nvPr>
-            <p:ph idx="1"/>
-          </p:nvPr>
-        </p:nvSpPr>
-        <p:spPr/>
-        <p:txBody>
           <a:bodyPr>
-            <a:normAutofit fontScale="25000" lnSpcReduction="20000"/>
+            <a:normAutofit fontScale="92500"/>
           </a:bodyPr>
           <a:lstStyle/>
           <a:p>
@@ -8876,116 +8621,60 @@
               <a:buNone/>
             </a:pPr>
             <a:r>
-              <a:rPr lang="en-US" sz="8000" dirty="0"/>
-              <a:t>Graph Theory is used in vast area of science and technologies. Some of them are given below:</a:t>
-            </a:r>
-          </a:p>
-          <a:p>
-            <a:r>
-              <a:rPr lang="en-US" sz="8000" b="1" dirty="0"/>
-              <a:t>1. Computer Science</a:t>
-            </a:r>
-          </a:p>
-          <a:p>
-            <a:r>
-              <a:rPr lang="en-US" sz="8000" dirty="0"/>
-              <a:t>In </a:t>
-            </a:r>
-            <a:r>
-              <a:rPr lang="en-US" sz="8000" b="1" dirty="0"/>
-              <a:t>computer science</a:t>
-            </a:r>
-            <a:r>
-              <a:rPr lang="en-US" sz="8000" dirty="0"/>
-              <a:t> graph theory is used for the </a:t>
-            </a:r>
-            <a:r>
-              <a:rPr lang="en-US" sz="8000" b="1" dirty="0"/>
-              <a:t>study of algorithms</a:t>
-            </a:r>
-            <a:r>
-              <a:rPr lang="en-US" sz="8000" dirty="0"/>
-              <a:t> like:</a:t>
-            </a:r>
-          </a:p>
-          <a:p>
-            <a:r>
-              <a:rPr lang="en-US" sz="8000" dirty="0"/>
-              <a:t>Dijkstra's Algorithm</a:t>
-            </a:r>
-          </a:p>
-          <a:p>
-            <a:r>
-              <a:rPr lang="en-US" sz="8000" dirty="0" err="1"/>
-              <a:t>Prims's</a:t>
-            </a:r>
-            <a:r>
-              <a:rPr lang="en-US" sz="8000" dirty="0"/>
-              <a:t> Algorithm</a:t>
-            </a:r>
-          </a:p>
-          <a:p>
-            <a:r>
-              <a:rPr lang="en-US" sz="8000" dirty="0" err="1"/>
-              <a:t>Kruskal's</a:t>
-            </a:r>
-            <a:r>
-              <a:rPr lang="en-US" sz="8000" dirty="0"/>
-              <a:t> Algorithm</a:t>
+              <a:rPr lang="en-US" b="1" dirty="0" smtClean="0"/>
+              <a:t>4. </a:t>
+            </a:r>
+            <a:r>
+              <a:rPr lang="en-US" b="1" dirty="0"/>
+              <a:t>Mathematics</a:t>
+            </a:r>
+          </a:p>
+          <a:p>
+            <a:r>
+              <a:rPr lang="en-US" dirty="0"/>
+              <a:t>In mathematics, operational research is the important field. Graph theory provides many useful applications in operational research. Like:</a:t>
+            </a:r>
+          </a:p>
+          <a:p>
+            <a:r>
+              <a:rPr lang="en-US" dirty="0"/>
+              <a:t>Minimum cost path.</a:t>
+            </a:r>
+          </a:p>
+          <a:p>
+            <a:r>
+              <a:rPr lang="en-US" dirty="0"/>
+              <a:t>A scheduling problem.</a:t>
             </a:r>
           </a:p>
           <a:p>
             <a:pPr marL="0" indent="0">
               <a:buNone/>
             </a:pPr>
-            <a:endParaRPr lang="en-US" sz="8000" dirty="0"/>
-          </a:p>
-          <a:p>
-            <a:r>
-              <a:rPr lang="en-US" sz="8000" dirty="0"/>
-              <a:t>Graphs are used to define the </a:t>
-            </a:r>
-            <a:r>
-              <a:rPr lang="en-US" sz="8000" b="1" dirty="0"/>
-              <a:t>flow of computation</a:t>
-            </a:r>
-            <a:r>
-              <a:rPr lang="en-US" sz="8000" dirty="0"/>
+            <a:r>
+              <a:rPr lang="en-US" b="1" dirty="0" smtClean="0"/>
+              <a:t>5. </a:t>
+            </a:r>
+            <a:r>
+              <a:rPr lang="en-US" b="1" dirty="0"/>
+              <a:t>General</a:t>
+            </a:r>
+          </a:p>
+          <a:p>
+            <a:r>
+              <a:rPr lang="en-US" dirty="0"/>
+              <a:t>Graphs are used to represent the routes between the cities. With the help of tree that is a type of graph, we can create hierarchical ordered information such as </a:t>
+            </a:r>
+            <a:r>
+              <a:rPr lang="en-US" b="1" dirty="0"/>
+              <a:t>family tree</a:t>
+            </a:r>
+            <a:r>
+              <a:rPr lang="en-US" dirty="0"/>
               <a:t>.</a:t>
             </a:r>
           </a:p>
           <a:p>
-            <a:r>
-              <a:rPr lang="en-US" sz="8000" dirty="0"/>
-              <a:t>Graphs are used to represent </a:t>
-            </a:r>
-            <a:r>
-              <a:rPr lang="en-US" sz="8000" b="1" dirty="0"/>
-              <a:t>networks of communication</a:t>
-            </a:r>
-            <a:r>
-              <a:rPr lang="en-US" sz="8000" dirty="0"/>
-              <a:t>.</a:t>
-            </a:r>
-          </a:p>
-          <a:p>
-            <a:r>
-              <a:rPr lang="en-US" sz="8000" dirty="0"/>
-              <a:t>Graphs are used to represent </a:t>
-            </a:r>
-            <a:r>
-              <a:rPr lang="en-US" sz="8000" b="1" dirty="0"/>
-              <a:t>data organization</a:t>
-            </a:r>
-            <a:r>
-              <a:rPr lang="en-US" sz="8000" dirty="0"/>
-              <a:t>.</a:t>
-            </a:r>
-          </a:p>
-          <a:p>
-            <a:pPr marL="0" indent="0">
-              <a:buNone/>
-            </a:pPr>
             <a:endParaRPr lang="en-US" dirty="0"/>
           </a:p>
         </p:txBody>
@@ -8993,7 +8682,7 @@
     </p:spTree>
     <p:extLst>
       <p:ext uri="{BB962C8B-B14F-4D97-AF65-F5344CB8AC3E}">
-        <p14:creationId xmlns:p14="http://schemas.microsoft.com/office/powerpoint/2010/main" val="1215333417"/>
+        <p14:creationId xmlns:p14="http://schemas.microsoft.com/office/powerpoint/2010/main" val="3326200483"/>
       </p:ext>
     </p:extLst>
   </p:cSld>
@@ -9022,6 +8711,25 @@
       </p:grpSpPr>
       <p:sp>
         <p:nvSpPr>
+          <p:cNvPr id="2" name="Заголовок 1"/>
+          <p:cNvSpPr>
+            <a:spLocks noGrp="1"/>
+          </p:cNvSpPr>
+          <p:nvPr>
+            <p:ph type="title"/>
+          </p:nvPr>
+        </p:nvSpPr>
+        <p:spPr/>
+        <p:txBody>
+          <a:bodyPr/>
+          <a:lstStyle/>
+          <a:p>
+            <a:endParaRPr lang="en-US"/>
+          </a:p>
+        </p:txBody>
+      </p:sp>
+      <p:sp>
+        <p:nvSpPr>
           <p:cNvPr id="3" name="Объект 2"/>
           <p:cNvSpPr>
             <a:spLocks noGrp="1"/>
@@ -9030,125 +8738,19 @@
             <p:ph idx="1"/>
           </p:nvPr>
         </p:nvSpPr>
-        <p:spPr>
-          <a:xfrm>
-            <a:off x="680321" y="2336873"/>
-            <a:ext cx="9613861" cy="4157712"/>
-          </a:xfrm>
-        </p:spPr>
-        <p:txBody>
-          <a:bodyPr>
-            <a:normAutofit fontScale="92500" lnSpcReduction="20000"/>
-          </a:bodyPr>
+        <p:spPr/>
+        <p:txBody>
+          <a:bodyPr/>
           <a:lstStyle/>
           <a:p>
-            <a:pPr marL="0" indent="0">
-              <a:buNone/>
-            </a:pPr>
-            <a:r>
-              <a:rPr lang="en-US" b="1" dirty="0"/>
-              <a:t>2. Electrical Engineering</a:t>
-            </a:r>
-          </a:p>
-          <a:p>
-            <a:r>
-              <a:rPr lang="en-US" dirty="0"/>
-              <a:t>In </a:t>
-            </a:r>
-            <a:r>
-              <a:rPr lang="en-US" b="1" dirty="0"/>
-              <a:t>Electrical Engineering</a:t>
-            </a:r>
-            <a:r>
-              <a:rPr lang="en-US" dirty="0"/>
-              <a:t>, graph theory is used in </a:t>
-            </a:r>
-            <a:r>
-              <a:rPr lang="en-US" b="1" dirty="0"/>
-              <a:t>designing of circuit connections</a:t>
-            </a:r>
-            <a:r>
-              <a:rPr lang="en-US" dirty="0"/>
-              <a:t>. These circuit connections are named as topologies. Some topologies are series, bridge, star and parallel topologies.</a:t>
-            </a:r>
-          </a:p>
-          <a:p>
-            <a:pPr marL="0" indent="0">
-              <a:buNone/>
-            </a:pPr>
-            <a:r>
-              <a:rPr lang="en-US" b="1" dirty="0"/>
-              <a:t>3. Computer Network</a:t>
-            </a:r>
-          </a:p>
-          <a:p>
-            <a:r>
-              <a:rPr lang="en-US" dirty="0"/>
-              <a:t>In computer network, the </a:t>
-            </a:r>
-            <a:r>
-              <a:rPr lang="en-US" b="1" dirty="0"/>
-              <a:t>relationships among interconnected computers</a:t>
-            </a:r>
-            <a:r>
-              <a:rPr lang="en-US" dirty="0"/>
-              <a:t> within the network, follow the principles of graph theory.</a:t>
-            </a:r>
-          </a:p>
-          <a:p>
-            <a:r>
-              <a:rPr lang="en-US" dirty="0"/>
-              <a:t>Graph theory is also used in </a:t>
-            </a:r>
-            <a:r>
-              <a:rPr lang="en-US" b="1" dirty="0"/>
-              <a:t>network security</a:t>
-            </a:r>
-            <a:r>
-              <a:rPr lang="en-US" dirty="0"/>
-              <a:t>.</a:t>
-            </a:r>
-          </a:p>
-          <a:p>
-            <a:r>
-              <a:rPr lang="en-US" dirty="0"/>
-              <a:t>We can use the vertex coloring algorithm to find a proper </a:t>
-            </a:r>
-            <a:r>
-              <a:rPr lang="en-US" b="1" dirty="0"/>
-              <a:t>coloring of the map</a:t>
-            </a:r>
-            <a:r>
-              <a:rPr lang="en-US" dirty="0"/>
-              <a:t> with four colors.</a:t>
-            </a:r>
-          </a:p>
-          <a:p>
-            <a:r>
-              <a:rPr lang="en-US" dirty="0"/>
-              <a:t>Vertex coloring algorithm may be used for assigning at most four different frequencies for any </a:t>
-            </a:r>
-            <a:r>
-              <a:rPr lang="en-US" b="1" dirty="0"/>
-              <a:t>GSM (Grouped Special Mobile) mobile phone networks</a:t>
-            </a:r>
-            <a:r>
-              <a:rPr lang="en-US" dirty="0"/>
-              <a:t>.</a:t>
-            </a:r>
-          </a:p>
-          <a:p>
-            <a:endParaRPr lang="en-US" dirty="0"/>
-          </a:p>
-          <a:p>
-            <a:endParaRPr lang="en-US" dirty="0"/>
+            <a:endParaRPr lang="en-US"/>
           </a:p>
         </p:txBody>
       </p:sp>
     </p:spTree>
     <p:extLst>
       <p:ext uri="{BB962C8B-B14F-4D97-AF65-F5344CB8AC3E}">
-        <p14:creationId xmlns:p14="http://schemas.microsoft.com/office/powerpoint/2010/main" val="1399449891"/>
+        <p14:creationId xmlns:p14="http://schemas.microsoft.com/office/powerpoint/2010/main" val="4001017268"/>
       </p:ext>
     </p:extLst>
   </p:cSld>
@@ -9406,7 +9008,7 @@
   <a:extraClrSchemeLst/>
   <a:extLst>
     <a:ext uri="{05A4C25C-085E-4340-85A3-A5531E510DB2}">
-      <thm15:themeFamily xmlns:thm15="http://schemas.microsoft.com/office/thememl/2012/main" name="Berlin" id="{7B5DBA9E-B069-418E-9360-A61BDD0615A4}" vid="{C7DC10E3-4FF5-456B-A359-A0F378C1E5FB}"/>
+      <thm15:themeFamily xmlns="" xmlns:thm15="http://schemas.microsoft.com/office/thememl/2012/main" name="Berlin" id="{7B5DBA9E-B069-418E-9360-A61BDD0615A4}" vid="{C7DC10E3-4FF5-456B-A359-A0F378C1E5FB}"/>
     </a:ext>
   </a:extLst>
 </a:theme>

--- a/Graph Theory.pptx
+++ b/Graph Theory.pptx
@@ -10,10 +10,11 @@
     <p:sldId id="257" r:id="rId4"/>
     <p:sldId id="258" r:id="rId5"/>
     <p:sldId id="259" r:id="rId6"/>
-    <p:sldId id="262" r:id="rId7"/>
-    <p:sldId id="263" r:id="rId8"/>
-    <p:sldId id="260" r:id="rId9"/>
-    <p:sldId id="261" r:id="rId10"/>
+    <p:sldId id="261" r:id="rId7"/>
+    <p:sldId id="265" r:id="rId8"/>
+    <p:sldId id="262" r:id="rId9"/>
+    <p:sldId id="263" r:id="rId10"/>
+    <p:sldId id="260" r:id="rId11"/>
   </p:sldIdLst>
   <p:sldSz cx="12192000" cy="6858000"/>
   <p:notesSz cx="6858000" cy="9144000"/>
@@ -112,6 +113,40 @@
       </a:defRPr>
     </a:lvl9pPr>
   </p:defaultTextStyle>
+  <p:extLst>
+    <p:ext uri="{521415D9-36F7-43E2-AB2F-B90AF26B5E84}">
+      <p14:sectionLst xmlns:p14="http://schemas.microsoft.com/office/powerpoint/2010/main">
+        <p14:section name="Default Section" id="{475B2F3C-65D7-A14A-AA22-586A525D364C}">
+          <p14:sldIdLst>
+            <p14:sldId id="256"/>
+            <p14:sldId id="264"/>
+            <p14:sldId id="257"/>
+            <p14:sldId id="258"/>
+            <p14:sldId id="259"/>
+            <p14:sldId id="261"/>
+            <p14:sldId id="265"/>
+            <p14:sldId id="262"/>
+            <p14:sldId id="263"/>
+            <p14:sldId id="260"/>
+          </p14:sldIdLst>
+        </p14:section>
+      </p14:sectionLst>
+    </p:ext>
+    <p:ext uri="{EFAFB233-063F-42B5-8137-9DF3F51BA10A}">
+      <p15:sldGuideLst xmlns:p15="http://schemas.microsoft.com/office/powerpoint/2012/main">
+        <p15:guide id="1" orient="horz" pos="2160">
+          <p15:clr>
+            <a:srgbClr val="A4A3A4"/>
+          </p15:clr>
+        </p15:guide>
+        <p15:guide id="2" pos="3840">
+          <p15:clr>
+            <a:srgbClr val="A4A3A4"/>
+          </p15:clr>
+        </p15:guide>
+      </p15:sldGuideLst>
+    </p:ext>
+  </p:extLst>
 </p:presentation>
 </file>
 
@@ -298,7 +333,7 @@
           </a:lstStyle>
           <a:p>
             <a:r>
-              <a:rPr lang="ru-RU" smtClean="0"/>
+              <a:rPr lang="ru-RU"/>
               <a:t>Образец заголовка</a:t>
             </a:r>
             <a:endParaRPr lang="en-US" dirty="0"/>
@@ -365,7 +400,7 @@
           </a:lstStyle>
           <a:p>
             <a:r>
-              <a:rPr lang="ru-RU" smtClean="0"/>
+              <a:rPr lang="ru-RU"/>
               <a:t>Образец подзаголовка</a:t>
             </a:r>
             <a:endParaRPr lang="en-US" dirty="0"/>
@@ -389,7 +424,7 @@
           <a:p>
             <a:fld id="{397E0307-B85C-446A-8EF0-0407D435D787}" type="datetimeFigureOut">
               <a:rPr lang="en-US" dirty="0"/>
-              <a:t>3/20/2021</a:t>
+              <a:t>3/20/21</a:t>
             </a:fld>
             <a:endParaRPr lang="en-US" dirty="0"/>
           </a:p>
@@ -633,7 +668,7 @@
           </a:lstStyle>
           <a:p>
             <a:r>
-              <a:rPr lang="ru-RU" smtClean="0"/>
+              <a:rPr lang="ru-RU"/>
               <a:t>Образец заголовка</a:t>
             </a:r>
             <a:endParaRPr lang="en-US" dirty="0"/>
@@ -709,7 +744,7 @@
           </a:lstStyle>
           <a:p>
             <a:r>
-              <a:rPr lang="ru-RU" smtClean="0"/>
+              <a:rPr lang="ru-RU"/>
               <a:t>Вставка рисунка</a:t>
             </a:r>
             <a:endParaRPr lang="en-US" dirty="0"/>
@@ -775,7 +810,7 @@
           <a:p>
             <a:pPr lvl="0"/>
             <a:r>
-              <a:rPr lang="ru-RU" smtClean="0"/>
+              <a:rPr lang="ru-RU"/>
               <a:t>Образец текста</a:t>
             </a:r>
           </a:p>
@@ -798,7 +833,7 @@
           <a:p>
             <a:fld id="{8BD862E7-95FA-4FC4-9EC5-DDBFA8DC7417}" type="datetimeFigureOut">
               <a:rPr lang="en-US" dirty="0"/>
-              <a:t>3/20/2021</a:t>
+              <a:t>3/20/21</a:t>
             </a:fld>
             <a:endParaRPr lang="en-US" dirty="0"/>
           </a:p>
@@ -1040,7 +1075,7 @@
           </a:lstStyle>
           <a:p>
             <a:r>
-              <a:rPr lang="ru-RU" smtClean="0"/>
+              <a:rPr lang="ru-RU"/>
               <a:t>Образец заголовка</a:t>
             </a:r>
             <a:endParaRPr lang="en-US" dirty="0"/>
@@ -1106,7 +1141,7 @@
           <a:p>
             <a:pPr lvl="0"/>
             <a:r>
-              <a:rPr lang="ru-RU" smtClean="0"/>
+              <a:rPr lang="ru-RU"/>
               <a:t>Образец текста</a:t>
             </a:r>
           </a:p>
@@ -1129,7 +1164,7 @@
           <a:p>
             <a:fld id="{8DB987F2-A784-4F72-BB57-0E9EACDE722E}" type="datetimeFigureOut">
               <a:rPr lang="en-US" dirty="0"/>
-              <a:t>3/20/2021</a:t>
+              <a:t>3/20/21</a:t>
             </a:fld>
             <a:endParaRPr lang="en-US" dirty="0"/>
           </a:p>
@@ -1371,7 +1406,7 @@
           </a:lstStyle>
           <a:p>
             <a:r>
-              <a:rPr lang="ru-RU" smtClean="0"/>
+              <a:rPr lang="ru-RU"/>
               <a:t>Образец заголовка</a:t>
             </a:r>
             <a:endParaRPr lang="en-US" dirty="0"/>
@@ -1439,7 +1474,7 @@
           <a:p>
             <a:pPr lvl="0"/>
             <a:r>
-              <a:rPr lang="ru-RU" smtClean="0"/>
+              <a:rPr lang="ru-RU"/>
               <a:t>Образец текста</a:t>
             </a:r>
           </a:p>
@@ -1506,7 +1541,7 @@
           <a:p>
             <a:pPr lvl="0"/>
             <a:r>
-              <a:rPr lang="ru-RU" smtClean="0"/>
+              <a:rPr lang="ru-RU"/>
               <a:t>Образец текста</a:t>
             </a:r>
           </a:p>
@@ -1529,7 +1564,7 @@
           <a:p>
             <a:fld id="{40BBD51E-4B19-444E-85C0-DBD7EB6263F4}" type="datetimeFigureOut">
               <a:rPr lang="en-US" dirty="0"/>
-              <a:t>3/20/2021</a:t>
+              <a:t>3/20/21</a:t>
             </a:fld>
             <a:endParaRPr lang="en-US" dirty="0"/>
           </a:p>
@@ -2003,7 +2038,7 @@
           </a:lstStyle>
           <a:p>
             <a:r>
-              <a:rPr lang="ru-RU" smtClean="0"/>
+              <a:rPr lang="ru-RU"/>
               <a:t>Образец заголовка</a:t>
             </a:r>
             <a:endParaRPr lang="en-US" dirty="0"/>
@@ -2069,7 +2104,7 @@
           <a:p>
             <a:pPr lvl="0"/>
             <a:r>
-              <a:rPr lang="ru-RU" smtClean="0"/>
+              <a:rPr lang="ru-RU"/>
               <a:t>Образец текста</a:t>
             </a:r>
           </a:p>
@@ -2092,7 +2127,7 @@
           <a:p>
             <a:fld id="{F0D7255A-4AD5-4D3E-9A0A-689DA3BA976C}" type="datetimeFigureOut">
               <a:rPr lang="en-US" dirty="0"/>
-              <a:t>3/20/2021</a:t>
+              <a:t>3/20/21</a:t>
             </a:fld>
             <a:endParaRPr lang="en-US" dirty="0"/>
           </a:p>
@@ -2330,7 +2365,7 @@
           <a:lstStyle/>
           <a:p>
             <a:r>
-              <a:rPr lang="ru-RU" smtClean="0"/>
+              <a:rPr lang="ru-RU"/>
               <a:t>Образец заголовка</a:t>
             </a:r>
             <a:endParaRPr lang="en-US" dirty="0"/>
@@ -2402,7 +2437,7 @@
           <a:p>
             <a:pPr lvl="0"/>
             <a:r>
-              <a:rPr lang="ru-RU" smtClean="0"/>
+              <a:rPr lang="ru-RU"/>
               <a:t>Образец текста</a:t>
             </a:r>
           </a:p>
@@ -2469,7 +2504,7 @@
           <a:p>
             <a:pPr lvl="0"/>
             <a:r>
-              <a:rPr lang="ru-RU" smtClean="0"/>
+              <a:rPr lang="ru-RU"/>
               <a:t>Образец текста</a:t>
             </a:r>
           </a:p>
@@ -2540,7 +2575,7 @@
           <a:p>
             <a:pPr lvl="0"/>
             <a:r>
-              <a:rPr lang="ru-RU" smtClean="0"/>
+              <a:rPr lang="ru-RU"/>
               <a:t>Образец текста</a:t>
             </a:r>
           </a:p>
@@ -2607,7 +2642,7 @@
           <a:p>
             <a:pPr lvl="0"/>
             <a:r>
-              <a:rPr lang="ru-RU" smtClean="0"/>
+              <a:rPr lang="ru-RU"/>
               <a:t>Образец текста</a:t>
             </a:r>
           </a:p>
@@ -2678,7 +2713,7 @@
           <a:p>
             <a:pPr lvl="0"/>
             <a:r>
-              <a:rPr lang="ru-RU" smtClean="0"/>
+              <a:rPr lang="ru-RU"/>
               <a:t>Образец текста</a:t>
             </a:r>
           </a:p>
@@ -2745,7 +2780,7 @@
           <a:p>
             <a:pPr lvl="0"/>
             <a:r>
-              <a:rPr lang="ru-RU" smtClean="0"/>
+              <a:rPr lang="ru-RU"/>
               <a:t>Образец текста</a:t>
             </a:r>
           </a:p>
@@ -2768,7 +2803,7 @@
           <a:p>
             <a:fld id="{3EE0AD15-87AC-45B2-9EE5-8D165AF83CD7}" type="datetimeFigureOut">
               <a:rPr lang="en-US" dirty="0"/>
-              <a:t>3/20/2021</a:t>
+              <a:t>3/20/21</a:t>
             </a:fld>
             <a:endParaRPr lang="en-US" dirty="0"/>
           </a:p>
@@ -3001,7 +3036,7 @@
           <a:lstStyle/>
           <a:p>
             <a:r>
-              <a:rPr lang="ru-RU" smtClean="0"/>
+              <a:rPr lang="ru-RU"/>
               <a:t>Образец заголовка</a:t>
             </a:r>
             <a:endParaRPr lang="en-US" dirty="0"/>
@@ -3073,7 +3108,7 @@
           <a:p>
             <a:pPr lvl="0"/>
             <a:r>
-              <a:rPr lang="ru-RU" smtClean="0"/>
+              <a:rPr lang="ru-RU"/>
               <a:t>Образец текста</a:t>
             </a:r>
           </a:p>
@@ -3151,7 +3186,7 @@
           </a:lstStyle>
           <a:p>
             <a:r>
-              <a:rPr lang="ru-RU" smtClean="0"/>
+              <a:rPr lang="ru-RU"/>
               <a:t>Вставка рисунка</a:t>
             </a:r>
             <a:endParaRPr lang="en-US" dirty="0"/>
@@ -3219,7 +3254,7 @@
           <a:p>
             <a:pPr lvl="0"/>
             <a:r>
-              <a:rPr lang="ru-RU" smtClean="0"/>
+              <a:rPr lang="ru-RU"/>
               <a:t>Образец текста</a:t>
             </a:r>
           </a:p>
@@ -3290,7 +3325,7 @@
           <a:p>
             <a:pPr lvl="0"/>
             <a:r>
-              <a:rPr lang="ru-RU" smtClean="0"/>
+              <a:rPr lang="ru-RU"/>
               <a:t>Образец текста</a:t>
             </a:r>
           </a:p>
@@ -3368,7 +3403,7 @@
           </a:lstStyle>
           <a:p>
             <a:r>
-              <a:rPr lang="ru-RU" smtClean="0"/>
+              <a:rPr lang="ru-RU"/>
               <a:t>Вставка рисунка</a:t>
             </a:r>
             <a:endParaRPr lang="en-US" dirty="0"/>
@@ -3436,7 +3471,7 @@
           <a:p>
             <a:pPr lvl="0"/>
             <a:r>
-              <a:rPr lang="ru-RU" smtClean="0"/>
+              <a:rPr lang="ru-RU"/>
               <a:t>Образец текста</a:t>
             </a:r>
           </a:p>
@@ -3507,7 +3542,7 @@
           <a:p>
             <a:pPr lvl="0"/>
             <a:r>
-              <a:rPr lang="ru-RU" smtClean="0"/>
+              <a:rPr lang="ru-RU"/>
               <a:t>Образец текста</a:t>
             </a:r>
           </a:p>
@@ -3585,7 +3620,7 @@
           </a:lstStyle>
           <a:p>
             <a:r>
-              <a:rPr lang="ru-RU" smtClean="0"/>
+              <a:rPr lang="ru-RU"/>
               <a:t>Вставка рисунка</a:t>
             </a:r>
             <a:endParaRPr lang="en-US" dirty="0"/>
@@ -3653,7 +3688,7 @@
           <a:p>
             <a:pPr lvl="0"/>
             <a:r>
-              <a:rPr lang="ru-RU" smtClean="0"/>
+              <a:rPr lang="ru-RU"/>
               <a:t>Образец текста</a:t>
             </a:r>
           </a:p>
@@ -3676,7 +3711,7 @@
           <a:p>
             <a:fld id="{FCC40CCD-F0D6-4CC2-A4C8-2D7D0D875F02}" type="datetimeFigureOut">
               <a:rPr lang="en-US" dirty="0"/>
-              <a:t>3/20/2021</a:t>
+              <a:t>3/20/21</a:t>
             </a:fld>
             <a:endParaRPr lang="en-US" dirty="0"/>
           </a:p>
@@ -3908,7 +3943,7 @@
           </a:lstStyle>
           <a:p>
             <a:r>
-              <a:rPr lang="ru-RU" smtClean="0"/>
+              <a:rPr lang="ru-RU"/>
               <a:t>Образец заголовка</a:t>
             </a:r>
             <a:endParaRPr lang="en-US" dirty="0"/>
@@ -3932,35 +3967,35 @@
           <a:p>
             <a:pPr lvl="0"/>
             <a:r>
-              <a:rPr lang="ru-RU" smtClean="0"/>
+              <a:rPr lang="ru-RU"/>
               <a:t>Образец текста</a:t>
             </a:r>
           </a:p>
           <a:p>
             <a:pPr lvl="1"/>
             <a:r>
-              <a:rPr lang="ru-RU" smtClean="0"/>
+              <a:rPr lang="ru-RU"/>
               <a:t>Второй уровень</a:t>
             </a:r>
           </a:p>
           <a:p>
             <a:pPr lvl="2"/>
             <a:r>
-              <a:rPr lang="ru-RU" smtClean="0"/>
+              <a:rPr lang="ru-RU"/>
               <a:t>Третий уровень</a:t>
             </a:r>
           </a:p>
           <a:p>
             <a:pPr lvl="3"/>
             <a:r>
-              <a:rPr lang="ru-RU" smtClean="0"/>
+              <a:rPr lang="ru-RU"/>
               <a:t>Четвертый уровень</a:t>
             </a:r>
           </a:p>
           <a:p>
             <a:pPr lvl="4"/>
             <a:r>
-              <a:rPr lang="ru-RU" smtClean="0"/>
+              <a:rPr lang="ru-RU"/>
               <a:t>Пятый уровень</a:t>
             </a:r>
             <a:endParaRPr lang="en-US" dirty="0"/>
@@ -3984,7 +4019,7 @@
           <a:p>
             <a:fld id="{B3CFE2CC-454D-4466-AC55-B86DA0A87BAE}" type="datetimeFigureOut">
               <a:rPr lang="en-US" dirty="0"/>
-              <a:t>3/20/2021</a:t>
+              <a:t>3/20/21</a:t>
             </a:fld>
             <a:endParaRPr lang="en-US" dirty="0"/>
           </a:p>
@@ -4157,7 +4192,7 @@
           <a:lstStyle/>
           <a:p>
             <a:r>
-              <a:rPr lang="ru-RU" smtClean="0"/>
+              <a:rPr lang="ru-RU"/>
               <a:t>Образец заголовка</a:t>
             </a:r>
             <a:endParaRPr lang="en-US" dirty="0"/>
@@ -4186,35 +4221,35 @@
           <a:p>
             <a:pPr lvl="0"/>
             <a:r>
-              <a:rPr lang="ru-RU" smtClean="0"/>
+              <a:rPr lang="ru-RU"/>
               <a:t>Образец текста</a:t>
             </a:r>
           </a:p>
           <a:p>
             <a:pPr lvl="1"/>
             <a:r>
-              <a:rPr lang="ru-RU" smtClean="0"/>
+              <a:rPr lang="ru-RU"/>
               <a:t>Второй уровень</a:t>
             </a:r>
           </a:p>
           <a:p>
             <a:pPr lvl="2"/>
             <a:r>
-              <a:rPr lang="ru-RU" smtClean="0"/>
+              <a:rPr lang="ru-RU"/>
               <a:t>Третий уровень</a:t>
             </a:r>
           </a:p>
           <a:p>
             <a:pPr lvl="3"/>
             <a:r>
-              <a:rPr lang="ru-RU" smtClean="0"/>
+              <a:rPr lang="ru-RU"/>
               <a:t>Четвертый уровень</a:t>
             </a:r>
           </a:p>
           <a:p>
             <a:pPr lvl="4"/>
             <a:r>
-              <a:rPr lang="ru-RU" smtClean="0"/>
+              <a:rPr lang="ru-RU"/>
               <a:t>Пятый уровень</a:t>
             </a:r>
             <a:endParaRPr lang="en-US" dirty="0"/>
@@ -4243,7 +4278,7 @@
           <a:p>
             <a:fld id="{B647B1BF-4039-460D-A637-65428CBD720E}" type="datetimeFigureOut">
               <a:rPr lang="en-US" dirty="0"/>
-              <a:t>3/20/2021</a:t>
+              <a:t>3/20/21</a:t>
             </a:fld>
             <a:endParaRPr lang="en-US" dirty="0"/>
           </a:p>
@@ -4486,7 +4521,7 @@
           <a:lstStyle/>
           <a:p>
             <a:r>
-              <a:rPr lang="ru-RU" smtClean="0"/>
+              <a:rPr lang="ru-RU"/>
               <a:t>Образец заголовка</a:t>
             </a:r>
             <a:endParaRPr lang="en-US" dirty="0"/>
@@ -4510,35 +4545,35 @@
           <a:p>
             <a:pPr lvl="0"/>
             <a:r>
-              <a:rPr lang="ru-RU" smtClean="0"/>
+              <a:rPr lang="ru-RU"/>
               <a:t>Образец текста</a:t>
             </a:r>
           </a:p>
           <a:p>
             <a:pPr lvl="1"/>
             <a:r>
-              <a:rPr lang="ru-RU" smtClean="0"/>
+              <a:rPr lang="ru-RU"/>
               <a:t>Второй уровень</a:t>
             </a:r>
           </a:p>
           <a:p>
             <a:pPr lvl="2"/>
             <a:r>
-              <a:rPr lang="ru-RU" smtClean="0"/>
+              <a:rPr lang="ru-RU"/>
               <a:t>Третий уровень</a:t>
             </a:r>
           </a:p>
           <a:p>
             <a:pPr lvl="3"/>
             <a:r>
-              <a:rPr lang="ru-RU" smtClean="0"/>
+              <a:rPr lang="ru-RU"/>
               <a:t>Четвертый уровень</a:t>
             </a:r>
           </a:p>
           <a:p>
             <a:pPr lvl="4"/>
             <a:r>
-              <a:rPr lang="ru-RU" smtClean="0"/>
+              <a:rPr lang="ru-RU"/>
               <a:t>Пятый уровень</a:t>
             </a:r>
             <a:endParaRPr lang="en-US" dirty="0"/>
@@ -4562,7 +4597,7 @@
           <a:p>
             <a:fld id="{AAA39ACE-9343-4EBE-B5CA-AEA240A1DC53}" type="datetimeFigureOut">
               <a:rPr lang="en-US" dirty="0"/>
-              <a:t>3/20/2021</a:t>
+              <a:t>3/20/21</a:t>
             </a:fld>
             <a:endParaRPr lang="en-US" dirty="0"/>
           </a:p>
@@ -4801,7 +4836,7 @@
           </a:lstStyle>
           <a:p>
             <a:r>
-              <a:rPr lang="ru-RU" smtClean="0"/>
+              <a:rPr lang="ru-RU"/>
               <a:t>Образец заголовка</a:t>
             </a:r>
             <a:endParaRPr lang="en-US" dirty="0"/>
@@ -4923,7 +4958,7 @@
           <a:p>
             <a:pPr lvl="0"/>
             <a:r>
-              <a:rPr lang="ru-RU" smtClean="0"/>
+              <a:rPr lang="ru-RU"/>
               <a:t>Образец текста</a:t>
             </a:r>
           </a:p>
@@ -4946,7 +4981,7 @@
           <a:p>
             <a:fld id="{C9A00F7B-89C5-4DF7-A309-6263220147D4}" type="datetimeFigureOut">
               <a:rPr lang="en-US" dirty="0"/>
-              <a:t>3/20/2021</a:t>
+              <a:t>3/20/21</a:t>
             </a:fld>
             <a:endParaRPr lang="en-US" dirty="0"/>
           </a:p>
@@ -5179,7 +5214,7 @@
           <a:lstStyle/>
           <a:p>
             <a:r>
-              <a:rPr lang="ru-RU" smtClean="0"/>
+              <a:rPr lang="ru-RU"/>
               <a:t>Образец заголовка</a:t>
             </a:r>
             <a:endParaRPr lang="en-US" dirty="0"/>
@@ -5208,35 +5243,35 @@
           <a:p>
             <a:pPr lvl="0"/>
             <a:r>
-              <a:rPr lang="ru-RU" smtClean="0"/>
+              <a:rPr lang="ru-RU"/>
               <a:t>Образец текста</a:t>
             </a:r>
           </a:p>
           <a:p>
             <a:pPr lvl="1"/>
             <a:r>
-              <a:rPr lang="ru-RU" smtClean="0"/>
+              <a:rPr lang="ru-RU"/>
               <a:t>Второй уровень</a:t>
             </a:r>
           </a:p>
           <a:p>
             <a:pPr lvl="2"/>
             <a:r>
-              <a:rPr lang="ru-RU" smtClean="0"/>
+              <a:rPr lang="ru-RU"/>
               <a:t>Третий уровень</a:t>
             </a:r>
           </a:p>
           <a:p>
             <a:pPr lvl="3"/>
             <a:r>
-              <a:rPr lang="ru-RU" smtClean="0"/>
+              <a:rPr lang="ru-RU"/>
               <a:t>Четвертый уровень</a:t>
             </a:r>
           </a:p>
           <a:p>
             <a:pPr lvl="4"/>
             <a:r>
-              <a:rPr lang="ru-RU" smtClean="0"/>
+              <a:rPr lang="ru-RU"/>
               <a:t>Пятый уровень</a:t>
             </a:r>
             <a:endParaRPr lang="en-US" dirty="0"/>
@@ -5265,35 +5300,35 @@
           <a:p>
             <a:pPr lvl="0"/>
             <a:r>
-              <a:rPr lang="ru-RU" smtClean="0"/>
+              <a:rPr lang="ru-RU"/>
               <a:t>Образец текста</a:t>
             </a:r>
           </a:p>
           <a:p>
             <a:pPr lvl="1"/>
             <a:r>
-              <a:rPr lang="ru-RU" smtClean="0"/>
+              <a:rPr lang="ru-RU"/>
               <a:t>Второй уровень</a:t>
             </a:r>
           </a:p>
           <a:p>
             <a:pPr lvl="2"/>
             <a:r>
-              <a:rPr lang="ru-RU" smtClean="0"/>
+              <a:rPr lang="ru-RU"/>
               <a:t>Третий уровень</a:t>
             </a:r>
           </a:p>
           <a:p>
             <a:pPr lvl="3"/>
             <a:r>
-              <a:rPr lang="ru-RU" smtClean="0"/>
+              <a:rPr lang="ru-RU"/>
               <a:t>Четвертый уровень</a:t>
             </a:r>
           </a:p>
           <a:p>
             <a:pPr lvl="4"/>
             <a:r>
-              <a:rPr lang="ru-RU" smtClean="0"/>
+              <a:rPr lang="ru-RU"/>
               <a:t>Пятый уровень</a:t>
             </a:r>
             <a:endParaRPr lang="en-US" dirty="0"/>
@@ -5317,7 +5352,7 @@
           <a:p>
             <a:fld id="{449C95DE-FD64-4606-AE61-EC1136867CC6}" type="datetimeFigureOut">
               <a:rPr lang="en-US" dirty="0"/>
-              <a:t>3/20/2021</a:t>
+              <a:t>3/20/21</a:t>
             </a:fld>
             <a:endParaRPr lang="en-US" dirty="0"/>
           </a:p>
@@ -5550,7 +5585,7 @@
           <a:lstStyle/>
           <a:p>
             <a:r>
-              <a:rPr lang="ru-RU" smtClean="0"/>
+              <a:rPr lang="ru-RU"/>
               <a:t>Образец заголовка</a:t>
             </a:r>
             <a:endParaRPr lang="en-US" dirty="0"/>
@@ -5616,7 +5651,7 @@
           <a:p>
             <a:pPr lvl="0"/>
             <a:r>
-              <a:rPr lang="ru-RU" smtClean="0"/>
+              <a:rPr lang="ru-RU"/>
               <a:t>Образец текста</a:t>
             </a:r>
           </a:p>
@@ -5644,35 +5679,35 @@
           <a:p>
             <a:pPr lvl="0"/>
             <a:r>
-              <a:rPr lang="ru-RU" smtClean="0"/>
+              <a:rPr lang="ru-RU"/>
               <a:t>Образец текста</a:t>
             </a:r>
           </a:p>
           <a:p>
             <a:pPr lvl="1"/>
             <a:r>
-              <a:rPr lang="ru-RU" smtClean="0"/>
+              <a:rPr lang="ru-RU"/>
               <a:t>Второй уровень</a:t>
             </a:r>
           </a:p>
           <a:p>
             <a:pPr lvl="2"/>
             <a:r>
-              <a:rPr lang="ru-RU" smtClean="0"/>
+              <a:rPr lang="ru-RU"/>
               <a:t>Третий уровень</a:t>
             </a:r>
           </a:p>
           <a:p>
             <a:pPr lvl="3"/>
             <a:r>
-              <a:rPr lang="ru-RU" smtClean="0"/>
+              <a:rPr lang="ru-RU"/>
               <a:t>Четвертый уровень</a:t>
             </a:r>
           </a:p>
           <a:p>
             <a:pPr lvl="4"/>
             <a:r>
-              <a:rPr lang="ru-RU" smtClean="0"/>
+              <a:rPr lang="ru-RU"/>
               <a:t>Пятый уровень</a:t>
             </a:r>
             <a:endParaRPr lang="en-US" dirty="0"/>
@@ -5738,7 +5773,7 @@
           <a:p>
             <a:pPr lvl="0"/>
             <a:r>
-              <a:rPr lang="ru-RU" smtClean="0"/>
+              <a:rPr lang="ru-RU"/>
               <a:t>Образец текста</a:t>
             </a:r>
           </a:p>
@@ -5766,35 +5801,35 @@
           <a:p>
             <a:pPr lvl="0"/>
             <a:r>
-              <a:rPr lang="ru-RU" smtClean="0"/>
+              <a:rPr lang="ru-RU"/>
               <a:t>Образец текста</a:t>
             </a:r>
           </a:p>
           <a:p>
             <a:pPr lvl="1"/>
             <a:r>
-              <a:rPr lang="ru-RU" smtClean="0"/>
+              <a:rPr lang="ru-RU"/>
               <a:t>Второй уровень</a:t>
             </a:r>
           </a:p>
           <a:p>
             <a:pPr lvl="2"/>
             <a:r>
-              <a:rPr lang="ru-RU" smtClean="0"/>
+              <a:rPr lang="ru-RU"/>
               <a:t>Третий уровень</a:t>
             </a:r>
           </a:p>
           <a:p>
             <a:pPr lvl="3"/>
             <a:r>
-              <a:rPr lang="ru-RU" smtClean="0"/>
+              <a:rPr lang="ru-RU"/>
               <a:t>Четвертый уровень</a:t>
             </a:r>
           </a:p>
           <a:p>
             <a:pPr lvl="4"/>
             <a:r>
-              <a:rPr lang="ru-RU" smtClean="0"/>
+              <a:rPr lang="ru-RU"/>
               <a:t>Пятый уровень</a:t>
             </a:r>
             <a:endParaRPr lang="en-US" dirty="0"/>
@@ -5818,7 +5853,7 @@
           <a:p>
             <a:fld id="{5DEB0BBD-30FE-4CF1-900A-0C45149F8AF8}" type="datetimeFigureOut">
               <a:rPr lang="en-US" dirty="0"/>
-              <a:t>3/20/2021</a:t>
+              <a:t>3/20/21</a:t>
             </a:fld>
             <a:endParaRPr lang="en-US" dirty="0"/>
           </a:p>
@@ -6046,7 +6081,7 @@
           <a:lstStyle/>
           <a:p>
             <a:r>
-              <a:rPr lang="ru-RU" smtClean="0"/>
+              <a:rPr lang="ru-RU"/>
               <a:t>Образец заголовка</a:t>
             </a:r>
             <a:endParaRPr lang="en-US" dirty="0"/>
@@ -6070,7 +6105,7 @@
           <a:p>
             <a:fld id="{B91A5F7F-3E81-4C65-A4D1-CB62D5B9DB91}" type="datetimeFigureOut">
               <a:rPr lang="en-US" dirty="0"/>
-              <a:t>3/20/2021</a:t>
+              <a:t>3/20/21</a:t>
             </a:fld>
             <a:endParaRPr lang="en-US" dirty="0"/>
           </a:p>
@@ -6228,7 +6263,7 @@
           <a:p>
             <a:fld id="{377ECC86-1672-4627-AEFE-EC5485C73905}" type="datetimeFigureOut">
               <a:rPr lang="en-US" dirty="0"/>
-              <a:t>3/20/2021</a:t>
+              <a:t>3/20/21</a:t>
             </a:fld>
             <a:endParaRPr lang="en-US" dirty="0"/>
           </a:p>
@@ -6467,7 +6502,7 @@
           </a:lstStyle>
           <a:p>
             <a:r>
-              <a:rPr lang="ru-RU" smtClean="0"/>
+              <a:rPr lang="ru-RU"/>
               <a:t>Образец заголовка</a:t>
             </a:r>
             <a:endParaRPr lang="en-US" dirty="0"/>
@@ -6496,35 +6531,35 @@
           <a:p>
             <a:pPr lvl="0"/>
             <a:r>
-              <a:rPr lang="ru-RU" smtClean="0"/>
+              <a:rPr lang="ru-RU"/>
               <a:t>Образец текста</a:t>
             </a:r>
           </a:p>
           <a:p>
             <a:pPr lvl="1"/>
             <a:r>
-              <a:rPr lang="ru-RU" smtClean="0"/>
+              <a:rPr lang="ru-RU"/>
               <a:t>Второй уровень</a:t>
             </a:r>
           </a:p>
           <a:p>
             <a:pPr lvl="2"/>
             <a:r>
-              <a:rPr lang="ru-RU" smtClean="0"/>
+              <a:rPr lang="ru-RU"/>
               <a:t>Третий уровень</a:t>
             </a:r>
           </a:p>
           <a:p>
             <a:pPr lvl="3"/>
             <a:r>
-              <a:rPr lang="ru-RU" smtClean="0"/>
+              <a:rPr lang="ru-RU"/>
               <a:t>Четвертый уровень</a:t>
             </a:r>
           </a:p>
           <a:p>
             <a:pPr lvl="4"/>
             <a:r>
-              <a:rPr lang="ru-RU" smtClean="0"/>
+              <a:rPr lang="ru-RU"/>
               <a:t>Пятый уровень</a:t>
             </a:r>
             <a:endParaRPr lang="en-US" dirty="0"/>
@@ -6590,7 +6625,7 @@
           <a:p>
             <a:pPr lvl="0"/>
             <a:r>
-              <a:rPr lang="ru-RU" smtClean="0"/>
+              <a:rPr lang="ru-RU"/>
               <a:t>Образец текста</a:t>
             </a:r>
           </a:p>
@@ -6613,7 +6648,7 @@
           <a:p>
             <a:fld id="{3CDCB01F-D966-4C62-B900-0BE008A90C98}" type="datetimeFigureOut">
               <a:rPr lang="en-US" dirty="0"/>
-              <a:t>3/20/2021</a:t>
+              <a:t>3/20/21</a:t>
             </a:fld>
             <a:endParaRPr lang="en-US" dirty="0"/>
           </a:p>
@@ -6852,7 +6887,7 @@
           </a:lstStyle>
           <a:p>
             <a:r>
-              <a:rPr lang="ru-RU" smtClean="0"/>
+              <a:rPr lang="ru-RU"/>
               <a:t>Образец заголовка</a:t>
             </a:r>
             <a:endParaRPr lang="en-US" dirty="0"/>
@@ -6928,7 +6963,7 @@
           </a:lstStyle>
           <a:p>
             <a:r>
-              <a:rPr lang="ru-RU" smtClean="0"/>
+              <a:rPr lang="ru-RU"/>
               <a:t>Вставка рисунка</a:t>
             </a:r>
             <a:endParaRPr lang="en-US" dirty="0"/>
@@ -6994,7 +7029,7 @@
           <a:p>
             <a:pPr lvl="0"/>
             <a:r>
-              <a:rPr lang="ru-RU" smtClean="0"/>
+              <a:rPr lang="ru-RU"/>
               <a:t>Образец текста</a:t>
             </a:r>
           </a:p>
@@ -7017,7 +7052,7 @@
           <a:p>
             <a:fld id="{5E73A0EA-7DC7-4964-BB97-B173EF3B859A}" type="datetimeFigureOut">
               <a:rPr lang="en-US" dirty="0"/>
-              <a:t>3/20/2021</a:t>
+              <a:t>3/20/21</a:t>
             </a:fld>
             <a:endParaRPr lang="en-US" dirty="0"/>
           </a:p>
@@ -7152,7 +7187,7 @@
           <a:lstStyle/>
           <a:p>
             <a:r>
-              <a:rPr lang="ru-RU" smtClean="0"/>
+              <a:rPr lang="ru-RU"/>
               <a:t>Образец заголовка</a:t>
             </a:r>
             <a:endParaRPr lang="en-US" dirty="0"/>
@@ -7186,35 +7221,35 @@
           <a:p>
             <a:pPr lvl="0"/>
             <a:r>
-              <a:rPr lang="ru-RU" smtClean="0"/>
+              <a:rPr lang="ru-RU"/>
               <a:t>Образец текста</a:t>
             </a:r>
           </a:p>
           <a:p>
             <a:pPr lvl="1"/>
             <a:r>
-              <a:rPr lang="ru-RU" smtClean="0"/>
+              <a:rPr lang="ru-RU"/>
               <a:t>Второй уровень</a:t>
             </a:r>
           </a:p>
           <a:p>
             <a:pPr lvl="2"/>
             <a:r>
-              <a:rPr lang="ru-RU" smtClean="0"/>
+              <a:rPr lang="ru-RU"/>
               <a:t>Третий уровень</a:t>
             </a:r>
           </a:p>
           <a:p>
             <a:pPr lvl="3"/>
             <a:r>
-              <a:rPr lang="ru-RU" smtClean="0"/>
+              <a:rPr lang="ru-RU"/>
               <a:t>Четвертый уровень</a:t>
             </a:r>
           </a:p>
           <a:p>
             <a:pPr lvl="4"/>
             <a:r>
-              <a:rPr lang="ru-RU" smtClean="0"/>
+              <a:rPr lang="ru-RU"/>
               <a:t>Пятый уровень</a:t>
             </a:r>
             <a:endParaRPr lang="en-US" dirty="0"/>
@@ -7256,7 +7291,7 @@
           <a:p>
             <a:fld id="{30EF52CC-F3D9-41D4-BCE4-C208E61A3F31}" type="datetimeFigureOut">
               <a:rPr lang="en-US" dirty="0"/>
-              <a:t>3/20/2021</a:t>
+              <a:t>3/20/21</a:t>
             </a:fld>
             <a:endParaRPr lang="en-US" dirty="0"/>
           </a:p>
@@ -7680,10 +7715,9 @@
           <a:lstStyle/>
           <a:p>
             <a:r>
-              <a:rPr lang="en-US" dirty="0" smtClean="0"/>
+              <a:rPr lang="en-US" dirty="0"/>
               <a:t>Graph Theory</a:t>
             </a:r>
-            <a:endParaRPr lang="en-US" dirty="0"/>
           </a:p>
         </p:txBody>
       </p:sp>
@@ -7703,7 +7737,7 @@
           <a:lstStyle/>
           <a:p>
             <a:r>
-              <a:rPr lang="en-US" dirty="0" err="1" smtClean="0"/>
+              <a:rPr lang="en-US" dirty="0" err="1"/>
               <a:t>Team:BIGRES</a:t>
             </a:r>
             <a:endParaRPr lang="en-US" dirty="0"/>
@@ -7714,6 +7748,107 @@
     <p:extLst>
       <p:ext uri="{BB962C8B-B14F-4D97-AF65-F5344CB8AC3E}">
         <p14:creationId xmlns:p14="http://schemas.microsoft.com/office/powerpoint/2010/main" val="1765505436"/>
+      </p:ext>
+    </p:extLst>
+  </p:cSld>
+  <p:clrMapOvr>
+    <a:masterClrMapping/>
+  </p:clrMapOvr>
+</p:sld>
+</file>
+
+<file path=ppt/slides/slide10.xml><?xml version="1.0" encoding="utf-8"?>
+<p:sld xmlns:a="http://schemas.openxmlformats.org/drawingml/2006/main" xmlns:r="http://schemas.openxmlformats.org/officeDocument/2006/relationships" xmlns:p="http://schemas.openxmlformats.org/presentationml/2006/main">
+  <p:cSld>
+    <p:spTree>
+      <p:nvGrpSpPr>
+        <p:cNvPr id="1" name=""/>
+        <p:cNvGrpSpPr/>
+        <p:nvPr/>
+      </p:nvGrpSpPr>
+      <p:grpSpPr>
+        <a:xfrm>
+          <a:off x="0" y="0"/>
+          <a:ext cx="0" cy="0"/>
+          <a:chOff x="0" y="0"/>
+          <a:chExt cx="0" cy="0"/>
+        </a:xfrm>
+      </p:grpSpPr>
+      <p:sp>
+        <p:nvSpPr>
+          <p:cNvPr id="3" name="Объект 2"/>
+          <p:cNvSpPr>
+            <a:spLocks noGrp="1"/>
+          </p:cNvSpPr>
+          <p:nvPr>
+            <p:ph idx="1"/>
+          </p:nvPr>
+        </p:nvSpPr>
+        <p:spPr/>
+        <p:txBody>
+          <a:bodyPr>
+            <a:normAutofit fontScale="92500"/>
+          </a:bodyPr>
+          <a:lstStyle/>
+          <a:p>
+            <a:pPr marL="0" indent="0">
+              <a:buNone/>
+            </a:pPr>
+            <a:r>
+              <a:rPr lang="en-US" b="1" dirty="0"/>
+              <a:t>4. Mathematics</a:t>
+            </a:r>
+          </a:p>
+          <a:p>
+            <a:r>
+              <a:rPr lang="en-US" dirty="0"/>
+              <a:t>In mathematics, operational research is the important field. Graph theory provides many useful applications in operational research. Like:</a:t>
+            </a:r>
+          </a:p>
+          <a:p>
+            <a:r>
+              <a:rPr lang="en-US" dirty="0"/>
+              <a:t>Minimum cost path.</a:t>
+            </a:r>
+          </a:p>
+          <a:p>
+            <a:r>
+              <a:rPr lang="en-US" dirty="0"/>
+              <a:t>A scheduling problem.</a:t>
+            </a:r>
+          </a:p>
+          <a:p>
+            <a:pPr marL="0" indent="0">
+              <a:buNone/>
+            </a:pPr>
+            <a:r>
+              <a:rPr lang="en-US" b="1" dirty="0"/>
+              <a:t>5. General</a:t>
+            </a:r>
+          </a:p>
+          <a:p>
+            <a:r>
+              <a:rPr lang="en-US" dirty="0"/>
+              <a:t>Graphs are used to represent the routes between the cities. With the help of tree that is a type of graph, we can create hierarchical ordered information such as </a:t>
+            </a:r>
+            <a:r>
+              <a:rPr lang="en-US" b="1" dirty="0"/>
+              <a:t>family tree</a:t>
+            </a:r>
+            <a:r>
+              <a:rPr lang="en-US" dirty="0"/>
+              <a:t>.</a:t>
+            </a:r>
+          </a:p>
+          <a:p>
+            <a:endParaRPr lang="en-US" dirty="0"/>
+          </a:p>
+        </p:txBody>
+      </p:sp>
+    </p:spTree>
+    <p:extLst>
+      <p:ext uri="{BB962C8B-B14F-4D97-AF65-F5344CB8AC3E}">
+        <p14:creationId xmlns:p14="http://schemas.microsoft.com/office/powerpoint/2010/main" val="3326200483"/>
       </p:ext>
     </p:extLst>
   </p:cSld>
@@ -7756,7 +7891,7 @@
           <a:lstStyle/>
           <a:p>
             <a:r>
-              <a:rPr lang="en-US" dirty="0" smtClean="0"/>
+              <a:rPr lang="en-US" dirty="0"/>
               <a:t>Team members</a:t>
             </a:r>
             <a:endParaRPr lang="ru-RU" dirty="0"/>
@@ -7787,10 +7922,10 @@
               <a:t> </a:t>
             </a:r>
             <a:r>
-              <a:rPr lang="en-US" dirty="0" err="1" smtClean="0"/>
+              <a:rPr lang="en-US" dirty="0" err="1"/>
               <a:t>Nurgazy</a:t>
             </a:r>
-            <a:endParaRPr lang="en-US" dirty="0" smtClean="0"/>
+            <a:endParaRPr lang="en-US" dirty="0"/>
           </a:p>
           <a:p>
             <a:r>
@@ -7802,48 +7937,48 @@
               <a:t> </a:t>
             </a:r>
             <a:r>
-              <a:rPr lang="en-US" dirty="0" err="1" smtClean="0"/>
+              <a:rPr lang="en-US" dirty="0" err="1"/>
               <a:t>Anarbay</a:t>
             </a:r>
-            <a:endParaRPr lang="en-US" dirty="0" smtClean="0"/>
-          </a:p>
-          <a:p>
-            <a:r>
-              <a:rPr lang="en-US" dirty="0" err="1" smtClean="0"/>
+            <a:endParaRPr lang="en-US" dirty="0"/>
+          </a:p>
+          <a:p>
+            <a:r>
+              <a:rPr lang="en-US" dirty="0" err="1"/>
               <a:t>Seniha</a:t>
             </a:r>
             <a:r>
-              <a:rPr lang="en-US" dirty="0" smtClean="0"/>
+              <a:rPr lang="en-US" dirty="0"/>
               <a:t> </a:t>
             </a:r>
             <a:r>
-              <a:rPr lang="en-US" dirty="0" err="1" smtClean="0"/>
+              <a:rPr lang="en-US" dirty="0" err="1"/>
               <a:t>Bekmez</a:t>
             </a:r>
-            <a:endParaRPr lang="en-US" dirty="0" smtClean="0"/>
-          </a:p>
-          <a:p>
-            <a:r>
-              <a:rPr lang="en-US" dirty="0" err="1" smtClean="0"/>
+            <a:endParaRPr lang="en-US" dirty="0"/>
+          </a:p>
+          <a:p>
+            <a:r>
+              <a:rPr lang="en-US" dirty="0" err="1"/>
               <a:t>Aisana</a:t>
             </a:r>
             <a:r>
-              <a:rPr lang="en-US" dirty="0" smtClean="0"/>
+              <a:rPr lang="en-US" dirty="0"/>
               <a:t> </a:t>
             </a:r>
             <a:r>
-              <a:rPr lang="en-US" dirty="0" err="1" smtClean="0"/>
+              <a:rPr lang="en-US" dirty="0" err="1"/>
               <a:t>Yessimkhan</a:t>
             </a:r>
-            <a:endParaRPr lang="en-US" dirty="0" smtClean="0"/>
-          </a:p>
-          <a:p>
-            <a:r>
-              <a:rPr lang="en-US" dirty="0" err="1" smtClean="0"/>
+            <a:endParaRPr lang="en-US" dirty="0"/>
+          </a:p>
+          <a:p>
+            <a:r>
+              <a:rPr lang="en-US" dirty="0" err="1"/>
               <a:t>Shamil</a:t>
             </a:r>
             <a:r>
-              <a:rPr lang="en-US" dirty="0" smtClean="0"/>
+              <a:rPr lang="en-US" dirty="0"/>
               <a:t> </a:t>
             </a:r>
             <a:r>
@@ -7900,10 +8035,9 @@
           <a:lstStyle/>
           <a:p>
             <a:r>
-              <a:rPr lang="en-US" dirty="0" smtClean="0"/>
+              <a:rPr lang="en-US" dirty="0"/>
               <a:t>Graph theory</a:t>
             </a:r>
-            <a:endParaRPr lang="en-US" dirty="0"/>
           </a:p>
         </p:txBody>
       </p:sp>
@@ -7922,19 +8056,15 @@
           <a:bodyPr/>
           <a:lstStyle/>
           <a:p>
-            <a:endParaRPr lang="en-US" dirty="0" smtClean="0"/>
+            <a:endParaRPr lang="en-US" dirty="0"/>
           </a:p>
           <a:p>
             <a:pPr marL="0" indent="0">
               <a:buNone/>
             </a:pPr>
             <a:r>
-              <a:rPr lang="en-US" b="1" dirty="0" smtClean="0"/>
-              <a:t>Graph </a:t>
-            </a:r>
-            <a:r>
               <a:rPr lang="en-US" b="1" dirty="0"/>
-              <a:t>theory is the mathematical study of systems of interacting elements. The elements are modeled as nodes in a graph, and their connections are represented as edges. These edges could represent physical (e.g., an axon between neurons) or statistical (e.g., a correlation between time-series) relationship.</a:t>
+              <a:t>Graph theory is the mathematical study of systems of interacting elements. The elements are modeled as nodes in a graph, and their connections are represented as edges. These edges could represent physical (e.g., an axon between neurons) or statistical (e.g., a correlation between time-series) relationship.</a:t>
             </a:r>
           </a:p>
         </p:txBody>
@@ -7985,20 +8115,8 @@
           <a:lstStyle/>
           <a:p>
             <a:r>
-              <a:rPr lang="en-US" dirty="0" smtClean="0"/>
-              <a:t>A list </a:t>
-            </a:r>
-            <a:r>
               <a:rPr lang="en-US" dirty="0"/>
-              <a:t>of all the graph theory terms </a:t>
-            </a:r>
-            <a:r>
-              <a:rPr lang="en-US" dirty="0" smtClean="0"/>
-              <a:t>we </a:t>
-            </a:r>
-            <a:r>
-              <a:rPr lang="en-US" dirty="0"/>
-              <a:t>need to know:</a:t>
+              <a:t>A list of all the graph theory terms we need to know:</a:t>
             </a:r>
           </a:p>
         </p:txBody>
@@ -8110,10 +8228,9 @@
           <a:lstStyle/>
           <a:p>
             <a:r>
-              <a:rPr lang="en-US" dirty="0" smtClean="0"/>
+              <a:rPr lang="en-US" dirty="0"/>
               <a:t>Graph theory</a:t>
             </a:r>
-            <a:endParaRPr lang="en-US" dirty="0"/>
           </a:p>
         </p:txBody>
       </p:sp>
@@ -8154,11 +8271,7 @@
           <a:p>
             <a:r>
               <a:rPr lang="en-US" sz="2600" dirty="0"/>
-              <a:t>Graphs can be used to model many types of relations and processes in physical, biological, social and information systems, and has a wide range of useful applications such as e.g</a:t>
-            </a:r>
-            <a:r>
-              <a:rPr lang="en-US" sz="2600" dirty="0" smtClean="0"/>
-              <a:t>.</a:t>
+              <a:t>Graphs can be used to model many types of relations and processes in physical, biological, social and information systems, and has a wide range of useful applications such as e.g.</a:t>
             </a:r>
           </a:p>
           <a:p>
@@ -8255,7 +8368,7 @@
           <a:p>
             <a:r>
               <a:rPr lang="en-US" dirty="0"/>
-              <a:t>Application of given theory</a:t>
+              <a:t>Graph Theory Algorithms </a:t>
             </a:r>
           </a:p>
         </p:txBody>
@@ -8270,147 +8383,192 @@
             <p:ph idx="1"/>
           </p:nvPr>
         </p:nvSpPr>
-        <p:spPr/>
-        <p:txBody>
-          <a:bodyPr>
-            <a:normAutofit fontScale="25000" lnSpcReduction="20000"/>
+        <p:spPr>
+          <a:xfrm>
+            <a:off x="680321" y="2336873"/>
+            <a:ext cx="4760359" cy="3599316"/>
+          </a:xfrm>
+        </p:spPr>
+        <p:txBody>
+          <a:bodyPr/>
+          <a:lstStyle/>
+          <a:p>
+            <a:r>
+              <a:rPr lang="en-US" sz="1400" b="1" dirty="0"/>
+              <a:t>Directed graph</a:t>
+            </a:r>
+            <a:endParaRPr lang="en-US" sz="1400" dirty="0"/>
+          </a:p>
+          <a:p>
+            <a:r>
+              <a:rPr lang="en-US" sz="1400" dirty="0"/>
+              <a:t>A graph with edges that have direction on them is called a </a:t>
+            </a:r>
+            <a:r>
+              <a:rPr lang="en-US" sz="1400" i="1" dirty="0"/>
+              <a:t>directed graph</a:t>
+            </a:r>
+            <a:r>
+              <a:rPr lang="en-US" sz="1400" dirty="0"/>
+              <a:t>. It may be used to show relations to predecessors (arrow from parents to their child) or ancestors (arrow from children to their parents).</a:t>
+            </a:r>
+          </a:p>
+          <a:p>
+            <a:endParaRPr lang="en-US" dirty="0"/>
+          </a:p>
+        </p:txBody>
+      </p:sp>
+      <p:pic>
+        <p:nvPicPr>
+          <p:cNvPr id="1028" name="Picture 4">
+            <a:extLst>
+              <a:ext uri="{FF2B5EF4-FFF2-40B4-BE49-F238E27FC236}">
+                <a16:creationId xmlns:a16="http://schemas.microsoft.com/office/drawing/2014/main" id="{E0186947-53D2-704A-9863-B858B0A434AE}"/>
+              </a:ext>
+            </a:extLst>
+          </p:cNvPr>
+          <p:cNvPicPr>
+            <a:picLocks noChangeAspect="1" noChangeArrowheads="1"/>
+          </p:cNvPicPr>
+          <p:nvPr/>
+        </p:nvPicPr>
+        <p:blipFill>
+          <a:blip r:embed="rId2">
+            <a:extLst>
+              <a:ext uri="{28A0092B-C50C-407E-A947-70E740481C1C}">
+                <a14:useLocalDpi xmlns:a14="http://schemas.microsoft.com/office/drawing/2010/main" val="0"/>
+              </a:ext>
+            </a:extLst>
+          </a:blip>
+          <a:srcRect/>
+          <a:stretch>
+            <a:fillRect/>
+          </a:stretch>
+        </p:blipFill>
+        <p:spPr bwMode="auto">
+          <a:xfrm>
+            <a:off x="804761" y="4297187"/>
+            <a:ext cx="3934879" cy="1447546"/>
+          </a:xfrm>
+          <a:prstGeom prst="rect">
+            <a:avLst/>
+          </a:prstGeom>
+          <a:noFill/>
+          <a:extLst>
+            <a:ext uri="{909E8E84-426E-40DD-AFC4-6F175D3DCCD1}">
+              <a14:hiddenFill xmlns:a14="http://schemas.microsoft.com/office/drawing/2010/main">
+                <a:solidFill>
+                  <a:srgbClr val="FFFFFF"/>
+                </a:solidFill>
+              </a14:hiddenFill>
+            </a:ext>
+          </a:extLst>
+        </p:spPr>
+      </p:pic>
+      <p:sp>
+        <p:nvSpPr>
+          <p:cNvPr id="4" name="Rectangle 3">
+            <a:extLst>
+              <a:ext uri="{FF2B5EF4-FFF2-40B4-BE49-F238E27FC236}">
+                <a16:creationId xmlns:a16="http://schemas.microsoft.com/office/drawing/2014/main" id="{3ABC3BB1-17FF-1647-A171-510084ED5337}"/>
+              </a:ext>
+            </a:extLst>
+          </p:cNvPr>
+          <p:cNvSpPr/>
+          <p:nvPr/>
+        </p:nvSpPr>
+        <p:spPr>
+          <a:xfrm>
+            <a:off x="6888480" y="2336873"/>
+            <a:ext cx="4206240" cy="1169551"/>
+          </a:xfrm>
+          <a:prstGeom prst="rect">
+            <a:avLst/>
+          </a:prstGeom>
+        </p:spPr>
+        <p:txBody>
+          <a:bodyPr wrap="square">
+            <a:spAutoFit/>
           </a:bodyPr>
           <a:lstStyle/>
           <a:p>
-            <a:pPr marL="0" indent="0">
-              <a:buNone/>
-            </a:pPr>
-            <a:r>
-              <a:rPr lang="en-US" sz="8000" dirty="0"/>
-              <a:t>Graph Theory is used in vast area of science and technologies. Some of them are given </a:t>
-            </a:r>
-            <a:r>
-              <a:rPr lang="en-US" sz="8000" dirty="0" smtClean="0"/>
-              <a:t>below:</a:t>
-            </a:r>
-          </a:p>
-          <a:p>
-            <a:r>
-              <a:rPr lang="en-US" sz="8000" b="1" dirty="0"/>
-              <a:t>1. Computer Science</a:t>
-            </a:r>
-          </a:p>
-          <a:p>
-            <a:r>
-              <a:rPr lang="en-US" sz="8000" dirty="0"/>
-              <a:t>In </a:t>
-            </a:r>
-            <a:r>
-              <a:rPr lang="en-US" sz="8000" b="1" dirty="0"/>
-              <a:t>computer science</a:t>
-            </a:r>
-            <a:r>
-              <a:rPr lang="en-US" sz="8000" dirty="0"/>
-              <a:t> graph theory is used for the </a:t>
-            </a:r>
-            <a:r>
-              <a:rPr lang="en-US" sz="8000" b="1" dirty="0"/>
-              <a:t>study of algorithms</a:t>
-            </a:r>
-            <a:r>
-              <a:rPr lang="en-US" sz="8000" dirty="0"/>
-              <a:t> like:</a:t>
-            </a:r>
-          </a:p>
-          <a:p>
-            <a:r>
-              <a:rPr lang="en-US" sz="8000" dirty="0"/>
-              <a:t>Dijkstra's Algorithm</a:t>
-            </a:r>
-          </a:p>
-          <a:p>
-            <a:r>
-              <a:rPr lang="en-US" sz="8000" dirty="0" err="1"/>
-              <a:t>Prims's</a:t>
-            </a:r>
-            <a:r>
-              <a:rPr lang="en-US" sz="8000" dirty="0"/>
-              <a:t> Algorithm</a:t>
-            </a:r>
-          </a:p>
-          <a:p>
-            <a:r>
-              <a:rPr lang="en-US" sz="8000" dirty="0" err="1"/>
-              <a:t>Kruskal's</a:t>
-            </a:r>
-            <a:r>
-              <a:rPr lang="en-US" sz="8000" dirty="0"/>
-              <a:t> </a:t>
-            </a:r>
-            <a:r>
-              <a:rPr lang="en-US" sz="8000" dirty="0" smtClean="0"/>
-              <a:t>Algorithm</a:t>
-            </a:r>
-          </a:p>
-          <a:p>
-            <a:pPr marL="0" indent="0">
-              <a:buNone/>
-            </a:pPr>
-            <a:endParaRPr lang="en-US" sz="8000" dirty="0" smtClean="0"/>
-          </a:p>
-          <a:p>
-            <a:r>
-              <a:rPr lang="en-US" sz="8000" dirty="0" smtClean="0"/>
-              <a:t>Graphs </a:t>
-            </a:r>
-            <a:r>
-              <a:rPr lang="en-US" sz="8000" dirty="0"/>
-              <a:t>are used to define the </a:t>
-            </a:r>
-            <a:r>
-              <a:rPr lang="en-US" sz="8000" b="1" dirty="0"/>
-              <a:t>flow of computation</a:t>
-            </a:r>
-            <a:r>
-              <a:rPr lang="en-US" sz="8000" dirty="0"/>
-              <a:t>.</a:t>
-            </a:r>
-          </a:p>
-          <a:p>
-            <a:r>
-              <a:rPr lang="en-US" sz="8000" dirty="0"/>
-              <a:t>Graphs are used to represent </a:t>
-            </a:r>
-            <a:r>
-              <a:rPr lang="en-US" sz="8000" b="1" dirty="0"/>
-              <a:t>networks of communication</a:t>
-            </a:r>
-            <a:r>
-              <a:rPr lang="en-US" sz="8000" dirty="0"/>
-              <a:t>.</a:t>
-            </a:r>
-          </a:p>
-          <a:p>
-            <a:r>
-              <a:rPr lang="en-US" sz="8000" dirty="0"/>
-              <a:t>Graphs are used to represent </a:t>
-            </a:r>
-            <a:r>
-              <a:rPr lang="en-US" sz="8000" b="1" dirty="0"/>
-              <a:t>data organization</a:t>
-            </a:r>
-            <a:r>
-              <a:rPr lang="en-US" sz="8000" dirty="0"/>
-              <a:t>.</a:t>
-            </a:r>
-          </a:p>
-          <a:p>
-            <a:pPr marL="0" indent="0">
-              <a:buNone/>
-            </a:pPr>
-            <a:endParaRPr lang="en-US" dirty="0"/>
-          </a:p>
-        </p:txBody>
-      </p:sp>
+            <a:r>
+              <a:rPr lang="en-US" sz="1400" b="1" dirty="0">
+                <a:latin typeface="sohne"/>
+              </a:rPr>
+              <a:t>Undirected graph</a:t>
+            </a:r>
+          </a:p>
+          <a:p>
+            <a:endParaRPr lang="en-US" sz="1400" dirty="0">
+              <a:latin typeface="sohne"/>
+            </a:endParaRPr>
+          </a:p>
+          <a:p>
+            <a:r>
+              <a:rPr lang="en-US" sz="1400" dirty="0">
+                <a:latin typeface="charter" panose="02040503050506020203" pitchFamily="18" charset="0"/>
+              </a:rPr>
+              <a:t>A graph with edges without directions on them is called an undirected graph. It may be used to show a two-way road.</a:t>
+            </a:r>
+            <a:endParaRPr lang="en-US" sz="1400" b="0" i="0" u="none" strike="noStrike" dirty="0">
+              <a:effectLst/>
+              <a:latin typeface="charter" panose="02040503050506020203" pitchFamily="18" charset="0"/>
+            </a:endParaRPr>
+          </a:p>
+        </p:txBody>
+      </p:sp>
+      <p:pic>
+        <p:nvPicPr>
+          <p:cNvPr id="1030" name="Picture 6">
+            <a:extLst>
+              <a:ext uri="{FF2B5EF4-FFF2-40B4-BE49-F238E27FC236}">
+                <a16:creationId xmlns:a16="http://schemas.microsoft.com/office/drawing/2014/main" id="{6CBF382C-C210-3847-AEF8-7B59883D3F36}"/>
+              </a:ext>
+            </a:extLst>
+          </p:cNvPr>
+          <p:cNvPicPr>
+            <a:picLocks noChangeAspect="1" noChangeArrowheads="1"/>
+          </p:cNvPicPr>
+          <p:nvPr/>
+        </p:nvPicPr>
+        <p:blipFill>
+          <a:blip r:embed="rId3">
+            <a:extLst>
+              <a:ext uri="{28A0092B-C50C-407E-A947-70E740481C1C}">
+                <a14:useLocalDpi xmlns:a14="http://schemas.microsoft.com/office/drawing/2010/main" val="0"/>
+              </a:ext>
+            </a:extLst>
+          </a:blip>
+          <a:srcRect/>
+          <a:stretch>
+            <a:fillRect/>
+          </a:stretch>
+        </p:blipFill>
+        <p:spPr bwMode="auto">
+          <a:xfrm>
+            <a:off x="6888480" y="4297186"/>
+            <a:ext cx="3212286" cy="1447547"/>
+          </a:xfrm>
+          <a:prstGeom prst="rect">
+            <a:avLst/>
+          </a:prstGeom>
+          <a:noFill/>
+          <a:extLst>
+            <a:ext uri="{909E8E84-426E-40DD-AFC4-6F175D3DCCD1}">
+              <a14:hiddenFill xmlns:a14="http://schemas.microsoft.com/office/drawing/2010/main">
+                <a:solidFill>
+                  <a:srgbClr val="FFFFFF"/>
+                </a:solidFill>
+              </a14:hiddenFill>
+            </a:ext>
+          </a:extLst>
+        </p:spPr>
+      </p:pic>
     </p:spTree>
     <p:extLst>
       <p:ext uri="{BB962C8B-B14F-4D97-AF65-F5344CB8AC3E}">
-        <p14:creationId xmlns:p14="http://schemas.microsoft.com/office/powerpoint/2010/main" val="1215333417"/>
+        <p14:creationId xmlns:p14="http://schemas.microsoft.com/office/powerpoint/2010/main" val="4001017268"/>
       </p:ext>
     </p:extLst>
   </p:cSld>
@@ -8439,7 +8597,13 @@
       </p:grpSpPr>
       <p:sp>
         <p:nvSpPr>
-          <p:cNvPr id="3" name="Объект 2"/>
+          <p:cNvPr id="3" name="Content Placeholder 2">
+            <a:extLst>
+              <a:ext uri="{FF2B5EF4-FFF2-40B4-BE49-F238E27FC236}">
+                <a16:creationId xmlns:a16="http://schemas.microsoft.com/office/drawing/2014/main" id="{5BD567B9-92D8-144F-85AA-91AF946CB684}"/>
+              </a:ext>
+            </a:extLst>
+          </p:cNvPr>
           <p:cNvSpPr>
             <a:spLocks noGrp="1"/>
           </p:cNvSpPr>
@@ -8449,131 +8613,200 @@
         </p:nvSpPr>
         <p:spPr>
           <a:xfrm>
-            <a:off x="680321" y="2336873"/>
-            <a:ext cx="9613861" cy="4157712"/>
-          </a:xfrm>
-        </p:spPr>
-        <p:txBody>
-          <a:bodyPr>
-            <a:normAutofit fontScale="92500" lnSpcReduction="20000"/>
+            <a:off x="360281" y="2336873"/>
+            <a:ext cx="3845959" cy="3599316"/>
+          </a:xfrm>
+        </p:spPr>
+        <p:txBody>
+          <a:bodyPr/>
+          <a:lstStyle/>
+          <a:p>
+            <a:r>
+              <a:rPr lang="en-US" sz="1400" b="1" dirty="0"/>
+              <a:t>Weighted graph</a:t>
+            </a:r>
+            <a:endParaRPr lang="en-US" sz="1400" dirty="0"/>
+          </a:p>
+          <a:p>
+            <a:r>
+              <a:rPr lang="en-US" sz="1400" dirty="0"/>
+              <a:t>A graph in which the edges have a number on them to represent the cost of a transaction, fair of a journey, the distance between cities, etc. It can have any type of edge.</a:t>
+            </a:r>
+          </a:p>
+          <a:p>
+            <a:endParaRPr lang="en-KZ" dirty="0"/>
+          </a:p>
+        </p:txBody>
+      </p:sp>
+      <p:pic>
+        <p:nvPicPr>
+          <p:cNvPr id="2052" name="Picture 4">
+            <a:extLst>
+              <a:ext uri="{FF2B5EF4-FFF2-40B4-BE49-F238E27FC236}">
+                <a16:creationId xmlns:a16="http://schemas.microsoft.com/office/drawing/2014/main" id="{CF422175-C3C8-394A-BDD8-B55BD21A45EB}"/>
+              </a:ext>
+            </a:extLst>
+          </p:cNvPr>
+          <p:cNvPicPr>
+            <a:picLocks noChangeAspect="1" noChangeArrowheads="1"/>
+          </p:cNvPicPr>
+          <p:nvPr/>
+        </p:nvPicPr>
+        <p:blipFill>
+          <a:blip r:embed="rId2">
+            <a:extLst>
+              <a:ext uri="{28A0092B-C50C-407E-A947-70E740481C1C}">
+                <a14:useLocalDpi xmlns:a14="http://schemas.microsoft.com/office/drawing/2010/main" val="0"/>
+              </a:ext>
+            </a:extLst>
+          </a:blip>
+          <a:srcRect/>
+          <a:stretch>
+            <a:fillRect/>
+          </a:stretch>
+        </p:blipFill>
+        <p:spPr bwMode="auto">
+          <a:xfrm>
+            <a:off x="680321" y="4127162"/>
+            <a:ext cx="4230789" cy="1809027"/>
+          </a:xfrm>
+          <a:prstGeom prst="rect">
+            <a:avLst/>
+          </a:prstGeom>
+          <a:noFill/>
+          <a:extLst>
+            <a:ext uri="{909E8E84-426E-40DD-AFC4-6F175D3DCCD1}">
+              <a14:hiddenFill xmlns:a14="http://schemas.microsoft.com/office/drawing/2010/main">
+                <a:solidFill>
+                  <a:srgbClr val="FFFFFF"/>
+                </a:solidFill>
+              </a14:hiddenFill>
+            </a:ext>
+          </a:extLst>
+        </p:spPr>
+      </p:pic>
+      <p:sp>
+        <p:nvSpPr>
+          <p:cNvPr id="4" name="Rectangle 3">
+            <a:extLst>
+              <a:ext uri="{FF2B5EF4-FFF2-40B4-BE49-F238E27FC236}">
+                <a16:creationId xmlns:a16="http://schemas.microsoft.com/office/drawing/2014/main" id="{93DADC69-2E36-F24C-8AAA-B5C2D6513EA1}"/>
+              </a:ext>
+            </a:extLst>
+          </p:cNvPr>
+          <p:cNvSpPr/>
+          <p:nvPr/>
+        </p:nvSpPr>
+        <p:spPr>
+          <a:xfrm>
+            <a:off x="6096000" y="2336873"/>
+            <a:ext cx="5873333" cy="1384995"/>
+          </a:xfrm>
+          <a:prstGeom prst="rect">
+            <a:avLst/>
+          </a:prstGeom>
+        </p:spPr>
+        <p:txBody>
+          <a:bodyPr wrap="square">
+            <a:spAutoFit/>
           </a:bodyPr>
           <a:lstStyle/>
           <a:p>
-            <a:pPr marL="0" indent="0">
-              <a:buNone/>
-            </a:pPr>
-            <a:r>
-              <a:rPr lang="en-US" b="1" dirty="0"/>
-              <a:t>2. Electrical Engineering</a:t>
-            </a:r>
-          </a:p>
-          <a:p>
-            <a:r>
-              <a:rPr lang="en-US" dirty="0"/>
-              <a:t>In </a:t>
-            </a:r>
-            <a:r>
-              <a:rPr lang="en-US" b="1" dirty="0"/>
-              <a:t>Electrical Engineering</a:t>
-            </a:r>
-            <a:r>
-              <a:rPr lang="en-US" dirty="0"/>
-              <a:t>, graph theory is used in </a:t>
-            </a:r>
-            <a:r>
-              <a:rPr lang="en-US" b="1" dirty="0"/>
-              <a:t>designing of circuit connections</a:t>
-            </a:r>
-            <a:r>
-              <a:rPr lang="en-US" dirty="0"/>
-              <a:t>. These circuit connections are named as topologies. Some topologies are series, bridge, star and parallel topologies</a:t>
-            </a:r>
-            <a:r>
-              <a:rPr lang="en-US" dirty="0" smtClean="0"/>
-              <a:t>.</a:t>
-            </a:r>
-          </a:p>
-          <a:p>
-            <a:pPr marL="0" indent="0">
-              <a:buNone/>
-            </a:pPr>
-            <a:r>
-              <a:rPr lang="en-US" b="1" dirty="0" smtClean="0"/>
-              <a:t>3. </a:t>
-            </a:r>
-            <a:r>
-              <a:rPr lang="en-US" b="1" dirty="0"/>
-              <a:t>Computer Network</a:t>
-            </a:r>
-          </a:p>
-          <a:p>
-            <a:r>
-              <a:rPr lang="en-US" dirty="0"/>
-              <a:t>In computer network, the </a:t>
-            </a:r>
-            <a:r>
-              <a:rPr lang="en-US" b="1" dirty="0"/>
-              <a:t>relationships among interconnected computers</a:t>
-            </a:r>
-            <a:r>
-              <a:rPr lang="en-US" dirty="0"/>
-              <a:t> within the network, follow the principles of graph theory.</a:t>
-            </a:r>
-          </a:p>
-          <a:p>
-            <a:r>
-              <a:rPr lang="en-US" dirty="0"/>
-              <a:t>Graph theory is also used in </a:t>
-            </a:r>
-            <a:r>
-              <a:rPr lang="en-US" b="1" dirty="0"/>
-              <a:t>network security</a:t>
-            </a:r>
-            <a:r>
-              <a:rPr lang="en-US" dirty="0"/>
-              <a:t>.</a:t>
-            </a:r>
-          </a:p>
-          <a:p>
-            <a:r>
-              <a:rPr lang="en-US" dirty="0"/>
-              <a:t>We can use the vertex coloring algorithm to find a proper </a:t>
-            </a:r>
-            <a:r>
-              <a:rPr lang="en-US" b="1" dirty="0"/>
-              <a:t>coloring of the map</a:t>
-            </a:r>
-            <a:r>
-              <a:rPr lang="en-US" dirty="0"/>
-              <a:t> with four colors.</a:t>
-            </a:r>
-          </a:p>
-          <a:p>
-            <a:r>
-              <a:rPr lang="en-US" dirty="0"/>
-              <a:t>Vertex coloring algorithm may be used for assigning at most four different frequencies for any </a:t>
-            </a:r>
-            <a:r>
-              <a:rPr lang="en-US" b="1" dirty="0"/>
-              <a:t>GSM (Grouped Special Mobile) mobile phone networks</a:t>
-            </a:r>
-            <a:r>
-              <a:rPr lang="en-US" dirty="0"/>
-              <a:t>.</a:t>
-            </a:r>
-          </a:p>
-          <a:p>
-            <a:endParaRPr lang="en-US" dirty="0"/>
-          </a:p>
-          <a:p>
-            <a:endParaRPr lang="en-US" dirty="0"/>
-          </a:p>
-        </p:txBody>
-      </p:sp>
+            <a:r>
+              <a:rPr lang="en-US" sz="1400" b="1" dirty="0">
+                <a:latin typeface="sohne"/>
+              </a:rPr>
+              <a:t>Tree</a:t>
+            </a:r>
+            <a:endParaRPr lang="en-US" sz="1400" dirty="0">
+              <a:latin typeface="sohne"/>
+            </a:endParaRPr>
+          </a:p>
+          <a:p>
+            <a:r>
+              <a:rPr lang="en-US" sz="1400" dirty="0">
+                <a:latin typeface="charter" panose="02040503050506020203" pitchFamily="18" charset="0"/>
+              </a:rPr>
+              <a:t>An undirected graph with no cycles in it is a </a:t>
+            </a:r>
+            <a:r>
+              <a:rPr lang="en-US" sz="1400" i="1" dirty="0">
+                <a:latin typeface="Charter" panose="02040503050506020203" pitchFamily="18" charset="0"/>
+              </a:rPr>
+              <a:t>tree</a:t>
+            </a:r>
+            <a:r>
+              <a:rPr lang="en-US" sz="1400" dirty="0">
+                <a:latin typeface="charter" panose="02040503050506020203" pitchFamily="18" charset="0"/>
+              </a:rPr>
+              <a:t>. Here, cycle means that there is only one way to go to a node by following edges from a given other node.</a:t>
+            </a:r>
+          </a:p>
+          <a:p>
+            <a:r>
+              <a:rPr lang="en-US" sz="1400" dirty="0">
+                <a:latin typeface="charter" panose="02040503050506020203" pitchFamily="18" charset="0"/>
+              </a:rPr>
+              <a:t>A tree has all its nodes connected by an edge to some other node and has N nodes with N-1 edges.</a:t>
+            </a:r>
+            <a:endParaRPr lang="en-US" sz="1400" b="0" i="0" u="none" strike="noStrike" dirty="0">
+              <a:effectLst/>
+              <a:latin typeface="charter" panose="02040503050506020203" pitchFamily="18" charset="0"/>
+            </a:endParaRPr>
+          </a:p>
+        </p:txBody>
+      </p:sp>
+      <p:pic>
+        <p:nvPicPr>
+          <p:cNvPr id="2054" name="Picture 6">
+            <a:extLst>
+              <a:ext uri="{FF2B5EF4-FFF2-40B4-BE49-F238E27FC236}">
+                <a16:creationId xmlns:a16="http://schemas.microsoft.com/office/drawing/2014/main" id="{116EEF77-A6D8-D649-9F4F-56B22BB1AD6A}"/>
+              </a:ext>
+            </a:extLst>
+          </p:cNvPr>
+          <p:cNvPicPr>
+            <a:picLocks noChangeAspect="1" noChangeArrowheads="1"/>
+          </p:cNvPicPr>
+          <p:nvPr/>
+        </p:nvPicPr>
+        <p:blipFill>
+          <a:blip r:embed="rId3">
+            <a:extLst>
+              <a:ext uri="{28A0092B-C50C-407E-A947-70E740481C1C}">
+                <a14:useLocalDpi xmlns:a14="http://schemas.microsoft.com/office/drawing/2010/main" val="0"/>
+              </a:ext>
+            </a:extLst>
+          </a:blip>
+          <a:srcRect/>
+          <a:stretch>
+            <a:fillRect/>
+          </a:stretch>
+        </p:blipFill>
+        <p:spPr bwMode="auto">
+          <a:xfrm>
+            <a:off x="6273782" y="4268249"/>
+            <a:ext cx="4230789" cy="1526851"/>
+          </a:xfrm>
+          <a:prstGeom prst="rect">
+            <a:avLst/>
+          </a:prstGeom>
+          <a:noFill/>
+          <a:extLst>
+            <a:ext uri="{909E8E84-426E-40DD-AFC4-6F175D3DCCD1}">
+              <a14:hiddenFill xmlns:a14="http://schemas.microsoft.com/office/drawing/2010/main">
+                <a:solidFill>
+                  <a:srgbClr val="FFFFFF"/>
+                </a:solidFill>
+              </a14:hiddenFill>
+            </a:ext>
+          </a:extLst>
+        </p:spPr>
+      </p:pic>
     </p:spTree>
     <p:extLst>
       <p:ext uri="{BB962C8B-B14F-4D97-AF65-F5344CB8AC3E}">
-        <p14:creationId xmlns:p14="http://schemas.microsoft.com/office/powerpoint/2010/main" val="1399449891"/>
+        <p14:creationId xmlns:p14="http://schemas.microsoft.com/office/powerpoint/2010/main" val="3503511652"/>
       </p:ext>
     </p:extLst>
   </p:cSld>
@@ -8602,6 +8835,28 @@
       </p:grpSpPr>
       <p:sp>
         <p:nvSpPr>
+          <p:cNvPr id="2" name="Заголовок 1"/>
+          <p:cNvSpPr>
+            <a:spLocks noGrp="1"/>
+          </p:cNvSpPr>
+          <p:nvPr>
+            <p:ph type="title"/>
+          </p:nvPr>
+        </p:nvSpPr>
+        <p:spPr/>
+        <p:txBody>
+          <a:bodyPr/>
+          <a:lstStyle/>
+          <a:p>
+            <a:r>
+              <a:rPr lang="en-US" dirty="0"/>
+              <a:t>Application of given theory</a:t>
+            </a:r>
+          </a:p>
+        </p:txBody>
+      </p:sp>
+      <p:sp>
+        <p:nvSpPr>
           <p:cNvPr id="3" name="Объект 2"/>
           <p:cNvSpPr>
             <a:spLocks noGrp="1"/>
@@ -8613,7 +8868,7 @@
         <p:spPr/>
         <p:txBody>
           <a:bodyPr>
-            <a:normAutofit fontScale="92500"/>
+            <a:normAutofit fontScale="25000" lnSpcReduction="20000"/>
           </a:bodyPr>
           <a:lstStyle/>
           <a:p>
@@ -8621,60 +8876,116 @@
               <a:buNone/>
             </a:pPr>
             <a:r>
-              <a:rPr lang="en-US" b="1" dirty="0" smtClean="0"/>
-              <a:t>4. </a:t>
-            </a:r>
-            <a:r>
-              <a:rPr lang="en-US" b="1" dirty="0"/>
-              <a:t>Mathematics</a:t>
-            </a:r>
-          </a:p>
-          <a:p>
-            <a:r>
-              <a:rPr lang="en-US" dirty="0"/>
-              <a:t>In mathematics, operational research is the important field. Graph theory provides many useful applications in operational research. Like:</a:t>
-            </a:r>
-          </a:p>
-          <a:p>
-            <a:r>
-              <a:rPr lang="en-US" dirty="0"/>
-              <a:t>Minimum cost path.</a:t>
-            </a:r>
-          </a:p>
-          <a:p>
-            <a:r>
-              <a:rPr lang="en-US" dirty="0"/>
-              <a:t>A scheduling problem.</a:t>
+              <a:rPr lang="en-US" sz="8000" dirty="0"/>
+              <a:t>Graph Theory is used in vast area of science and technologies. Some of them are given below:</a:t>
+            </a:r>
+          </a:p>
+          <a:p>
+            <a:r>
+              <a:rPr lang="en-US" sz="8000" b="1" dirty="0"/>
+              <a:t>1. Computer Science</a:t>
+            </a:r>
+          </a:p>
+          <a:p>
+            <a:r>
+              <a:rPr lang="en-US" sz="8000" dirty="0"/>
+              <a:t>In </a:t>
+            </a:r>
+            <a:r>
+              <a:rPr lang="en-US" sz="8000" b="1" dirty="0"/>
+              <a:t>computer science</a:t>
+            </a:r>
+            <a:r>
+              <a:rPr lang="en-US" sz="8000" dirty="0"/>
+              <a:t> graph theory is used for the </a:t>
+            </a:r>
+            <a:r>
+              <a:rPr lang="en-US" sz="8000" b="1" dirty="0"/>
+              <a:t>study of algorithms</a:t>
+            </a:r>
+            <a:r>
+              <a:rPr lang="en-US" sz="8000" dirty="0"/>
+              <a:t> like:</a:t>
+            </a:r>
+          </a:p>
+          <a:p>
+            <a:r>
+              <a:rPr lang="en-US" sz="8000" dirty="0"/>
+              <a:t>Dijkstra's Algorithm</a:t>
+            </a:r>
+          </a:p>
+          <a:p>
+            <a:r>
+              <a:rPr lang="en-US" sz="8000" dirty="0" err="1"/>
+              <a:t>Prims's</a:t>
+            </a:r>
+            <a:r>
+              <a:rPr lang="en-US" sz="8000" dirty="0"/>
+              <a:t> Algorithm</a:t>
+            </a:r>
+          </a:p>
+          <a:p>
+            <a:r>
+              <a:rPr lang="en-US" sz="8000" dirty="0" err="1"/>
+              <a:t>Kruskal's</a:t>
+            </a:r>
+            <a:r>
+              <a:rPr lang="en-US" sz="8000" dirty="0"/>
+              <a:t> Algorithm</a:t>
             </a:r>
           </a:p>
           <a:p>
             <a:pPr marL="0" indent="0">
               <a:buNone/>
             </a:pPr>
-            <a:r>
-              <a:rPr lang="en-US" b="1" dirty="0" smtClean="0"/>
-              <a:t>5. </a:t>
-            </a:r>
-            <a:r>
-              <a:rPr lang="en-US" b="1" dirty="0"/>
-              <a:t>General</a:t>
-            </a:r>
-          </a:p>
-          <a:p>
-            <a:r>
-              <a:rPr lang="en-US" dirty="0"/>
-              <a:t>Graphs are used to represent the routes between the cities. With the help of tree that is a type of graph, we can create hierarchical ordered information such as </a:t>
-            </a:r>
-            <a:r>
-              <a:rPr lang="en-US" b="1" dirty="0"/>
-              <a:t>family tree</a:t>
-            </a:r>
-            <a:r>
-              <a:rPr lang="en-US" dirty="0"/>
+            <a:endParaRPr lang="en-US" sz="8000" dirty="0"/>
+          </a:p>
+          <a:p>
+            <a:r>
+              <a:rPr lang="en-US" sz="8000" dirty="0"/>
+              <a:t>Graphs are used to define the </a:t>
+            </a:r>
+            <a:r>
+              <a:rPr lang="en-US" sz="8000" b="1" dirty="0"/>
+              <a:t>flow of computation</a:t>
+            </a:r>
+            <a:r>
+              <a:rPr lang="en-US" sz="8000" dirty="0"/>
               <a:t>.</a:t>
             </a:r>
           </a:p>
           <a:p>
+            <a:r>
+              <a:rPr lang="en-US" sz="8000" dirty="0"/>
+              <a:t>Graphs are used to represent </a:t>
+            </a:r>
+            <a:r>
+              <a:rPr lang="en-US" sz="8000" b="1" dirty="0"/>
+              <a:t>networks of communication</a:t>
+            </a:r>
+            <a:r>
+              <a:rPr lang="en-US" sz="8000" dirty="0"/>
+              <a:t>.</a:t>
+            </a:r>
+          </a:p>
+          <a:p>
+            <a:r>
+              <a:rPr lang="en-US" sz="8000" dirty="0"/>
+              <a:t>Graphs are used to represent </a:t>
+            </a:r>
+            <a:r>
+              <a:rPr lang="en-US" sz="8000" b="1" dirty="0"/>
+              <a:t>data organization</a:t>
+            </a:r>
+            <a:r>
+              <a:rPr lang="en-US" sz="8000" dirty="0"/>
+              <a:t>.</a:t>
+            </a:r>
+          </a:p>
+          <a:p>
+            <a:pPr marL="0" indent="0">
+              <a:buNone/>
+            </a:pPr>
             <a:endParaRPr lang="en-US" dirty="0"/>
           </a:p>
         </p:txBody>
@@ -8682,7 +8993,7 @@
     </p:spTree>
     <p:extLst>
       <p:ext uri="{BB962C8B-B14F-4D97-AF65-F5344CB8AC3E}">
-        <p14:creationId xmlns:p14="http://schemas.microsoft.com/office/powerpoint/2010/main" val="3326200483"/>
+        <p14:creationId xmlns:p14="http://schemas.microsoft.com/office/powerpoint/2010/main" val="1215333417"/>
       </p:ext>
     </p:extLst>
   </p:cSld>
@@ -8711,46 +9022,133 @@
       </p:grpSpPr>
       <p:sp>
         <p:nvSpPr>
-          <p:cNvPr id="2" name="Заголовок 1"/>
-          <p:cNvSpPr>
-            <a:spLocks noGrp="1"/>
-          </p:cNvSpPr>
-          <p:nvPr>
-            <p:ph type="title"/>
-          </p:nvPr>
-        </p:nvSpPr>
-        <p:spPr/>
-        <p:txBody>
-          <a:bodyPr/>
+          <p:cNvPr id="3" name="Объект 2"/>
+          <p:cNvSpPr>
+            <a:spLocks noGrp="1"/>
+          </p:cNvSpPr>
+          <p:nvPr>
+            <p:ph idx="1"/>
+          </p:nvPr>
+        </p:nvSpPr>
+        <p:spPr>
+          <a:xfrm>
+            <a:off x="680321" y="2336873"/>
+            <a:ext cx="9613861" cy="4157712"/>
+          </a:xfrm>
+        </p:spPr>
+        <p:txBody>
+          <a:bodyPr>
+            <a:normAutofit fontScale="92500" lnSpcReduction="20000"/>
+          </a:bodyPr>
           <a:lstStyle/>
           <a:p>
-            <a:endParaRPr lang="en-US"/>
-          </a:p>
-        </p:txBody>
-      </p:sp>
-      <p:sp>
-        <p:nvSpPr>
-          <p:cNvPr id="3" name="Объект 2"/>
-          <p:cNvSpPr>
-            <a:spLocks noGrp="1"/>
-          </p:cNvSpPr>
-          <p:nvPr>
-            <p:ph idx="1"/>
-          </p:nvPr>
-        </p:nvSpPr>
-        <p:spPr/>
-        <p:txBody>
-          <a:bodyPr/>
-          <a:lstStyle/>
-          <a:p>
-            <a:endParaRPr lang="en-US"/>
+            <a:pPr marL="0" indent="0">
+              <a:buNone/>
+            </a:pPr>
+            <a:r>
+              <a:rPr lang="en-US" b="1" dirty="0"/>
+              <a:t>2. Electrical Engineering</a:t>
+            </a:r>
+          </a:p>
+          <a:p>
+            <a:r>
+              <a:rPr lang="en-US" dirty="0"/>
+              <a:t>In </a:t>
+            </a:r>
+            <a:r>
+              <a:rPr lang="en-US" b="1" dirty="0"/>
+              <a:t>Electrical Engineering</a:t>
+            </a:r>
+            <a:r>
+              <a:rPr lang="en-US" dirty="0"/>
+              <a:t>, graph theory is used in </a:t>
+            </a:r>
+            <a:r>
+              <a:rPr lang="en-US" b="1" dirty="0"/>
+              <a:t>designing of circuit connections</a:t>
+            </a:r>
+            <a:r>
+              <a:rPr lang="en-US" dirty="0"/>
+              <a:t>. These circuit connections are named as topologies. Some topologies are series, bridge, star and parallel topologies.</a:t>
+            </a:r>
+          </a:p>
+          <a:p>
+            <a:pPr marL="0" indent="0">
+              <a:buNone/>
+            </a:pPr>
+            <a:r>
+              <a:rPr lang="en-US" b="1" dirty="0"/>
+              <a:t>3. Computer Network</a:t>
+            </a:r>
+          </a:p>
+          <a:p>
+            <a:r>
+              <a:rPr lang="en-US" dirty="0"/>
+              <a:t>In computer network, the </a:t>
+            </a:r>
+            <a:r>
+              <a:rPr lang="en-US" b="1" dirty="0"/>
+              <a:t>relationships among interconnected computers</a:t>
+            </a:r>
+            <a:r>
+              <a:rPr lang="en-US" dirty="0"/>
+              <a:t> within the network, follow the principles of graph theory.</a:t>
+            </a:r>
+          </a:p>
+          <a:p>
+            <a:r>
+              <a:rPr lang="en-US" dirty="0"/>
+              <a:t>Graph theory is also used in </a:t>
+            </a:r>
+            <a:r>
+              <a:rPr lang="en-US" b="1" dirty="0"/>
+              <a:t>network security</a:t>
+            </a:r>
+            <a:r>
+              <a:rPr lang="en-US" dirty="0"/>
+              <a:t>.</a:t>
+            </a:r>
+          </a:p>
+          <a:p>
+            <a:r>
+              <a:rPr lang="en-US" dirty="0"/>
+              <a:t>We can use the vertex coloring algorithm to find a proper </a:t>
+            </a:r>
+            <a:r>
+              <a:rPr lang="en-US" b="1" dirty="0"/>
+              <a:t>coloring of the map</a:t>
+            </a:r>
+            <a:r>
+              <a:rPr lang="en-US" dirty="0"/>
+              <a:t> with four colors.</a:t>
+            </a:r>
+          </a:p>
+          <a:p>
+            <a:r>
+              <a:rPr lang="en-US" dirty="0"/>
+              <a:t>Vertex coloring algorithm may be used for assigning at most four different frequencies for any </a:t>
+            </a:r>
+            <a:r>
+              <a:rPr lang="en-US" b="1" dirty="0"/>
+              <a:t>GSM (Grouped Special Mobile) mobile phone networks</a:t>
+            </a:r>
+            <a:r>
+              <a:rPr lang="en-US" dirty="0"/>
+              <a:t>.</a:t>
+            </a:r>
+          </a:p>
+          <a:p>
+            <a:endParaRPr lang="en-US" dirty="0"/>
+          </a:p>
+          <a:p>
+            <a:endParaRPr lang="en-US" dirty="0"/>
           </a:p>
         </p:txBody>
       </p:sp>
     </p:spTree>
     <p:extLst>
       <p:ext uri="{BB962C8B-B14F-4D97-AF65-F5344CB8AC3E}">
-        <p14:creationId xmlns:p14="http://schemas.microsoft.com/office/powerpoint/2010/main" val="4001017268"/>
+        <p14:creationId xmlns:p14="http://schemas.microsoft.com/office/powerpoint/2010/main" val="1399449891"/>
       </p:ext>
     </p:extLst>
   </p:cSld>
@@ -9008,7 +9406,7 @@
   <a:extraClrSchemeLst/>
   <a:extLst>
     <a:ext uri="{05A4C25C-085E-4340-85A3-A5531E510DB2}">
-      <thm15:themeFamily xmlns="" xmlns:thm15="http://schemas.microsoft.com/office/thememl/2012/main" name="Berlin" id="{7B5DBA9E-B069-418E-9360-A61BDD0615A4}" vid="{C7DC10E3-4FF5-456B-A359-A0F378C1E5FB}"/>
+      <thm15:themeFamily xmlns:thm15="http://schemas.microsoft.com/office/thememl/2012/main" name="Berlin" id="{7B5DBA9E-B069-418E-9360-A61BDD0615A4}" vid="{C7DC10E3-4FF5-456B-A359-A0F378C1E5FB}"/>
     </a:ext>
   </a:extLst>
 </a:theme>
